--- a/media/Overview.pptx
+++ b/media/Overview.pptx
@@ -288,7 +288,7 @@
           <a:p>
             <a:fld id="{9BE3F6F5-7867-F041-91C0-3CE7BFD0C93A}" type="datetimeFigureOut">
               <a:rPr lang="en-US" smtClean="0"/>
-              <a:t>10/14/16</a:t>
+              <a:t>11/6/16</a:t>
             </a:fld>
             <a:endParaRPr lang="en-US"/>
           </a:p>
@@ -458,7 +458,7 @@
           <a:p>
             <a:fld id="{9BE3F6F5-7867-F041-91C0-3CE7BFD0C93A}" type="datetimeFigureOut">
               <a:rPr lang="en-US" smtClean="0"/>
-              <a:t>10/14/16</a:t>
+              <a:t>11/6/16</a:t>
             </a:fld>
             <a:endParaRPr lang="en-US"/>
           </a:p>
@@ -638,7 +638,7 @@
           <a:p>
             <a:fld id="{9BE3F6F5-7867-F041-91C0-3CE7BFD0C93A}" type="datetimeFigureOut">
               <a:rPr lang="en-US" smtClean="0"/>
-              <a:t>10/14/16</a:t>
+              <a:t>11/6/16</a:t>
             </a:fld>
             <a:endParaRPr lang="en-US"/>
           </a:p>
@@ -808,7 +808,7 @@
           <a:p>
             <a:fld id="{9BE3F6F5-7867-F041-91C0-3CE7BFD0C93A}" type="datetimeFigureOut">
               <a:rPr lang="en-US" smtClean="0"/>
-              <a:t>10/14/16</a:t>
+              <a:t>11/6/16</a:t>
             </a:fld>
             <a:endParaRPr lang="en-US"/>
           </a:p>
@@ -1054,7 +1054,7 @@
           <a:p>
             <a:fld id="{9BE3F6F5-7867-F041-91C0-3CE7BFD0C93A}" type="datetimeFigureOut">
               <a:rPr lang="en-US" smtClean="0"/>
-              <a:t>10/14/16</a:t>
+              <a:t>11/6/16</a:t>
             </a:fld>
             <a:endParaRPr lang="en-US"/>
           </a:p>
@@ -1342,7 +1342,7 @@
           <a:p>
             <a:fld id="{9BE3F6F5-7867-F041-91C0-3CE7BFD0C93A}" type="datetimeFigureOut">
               <a:rPr lang="en-US" smtClean="0"/>
-              <a:t>10/14/16</a:t>
+              <a:t>11/6/16</a:t>
             </a:fld>
             <a:endParaRPr lang="en-US"/>
           </a:p>
@@ -1764,7 +1764,7 @@
           <a:p>
             <a:fld id="{9BE3F6F5-7867-F041-91C0-3CE7BFD0C93A}" type="datetimeFigureOut">
               <a:rPr lang="en-US" smtClean="0"/>
-              <a:t>10/14/16</a:t>
+              <a:t>11/6/16</a:t>
             </a:fld>
             <a:endParaRPr lang="en-US"/>
           </a:p>
@@ -1882,7 +1882,7 @@
           <a:p>
             <a:fld id="{9BE3F6F5-7867-F041-91C0-3CE7BFD0C93A}" type="datetimeFigureOut">
               <a:rPr lang="en-US" smtClean="0"/>
-              <a:t>10/14/16</a:t>
+              <a:t>11/6/16</a:t>
             </a:fld>
             <a:endParaRPr lang="en-US"/>
           </a:p>
@@ -1977,7 +1977,7 @@
           <a:p>
             <a:fld id="{9BE3F6F5-7867-F041-91C0-3CE7BFD0C93A}" type="datetimeFigureOut">
               <a:rPr lang="en-US" smtClean="0"/>
-              <a:t>10/14/16</a:t>
+              <a:t>11/6/16</a:t>
             </a:fld>
             <a:endParaRPr lang="en-US"/>
           </a:p>
@@ -2254,7 +2254,7 @@
           <a:p>
             <a:fld id="{9BE3F6F5-7867-F041-91C0-3CE7BFD0C93A}" type="datetimeFigureOut">
               <a:rPr lang="en-US" smtClean="0"/>
-              <a:t>10/14/16</a:t>
+              <a:t>11/6/16</a:t>
             </a:fld>
             <a:endParaRPr lang="en-US"/>
           </a:p>
@@ -2507,7 +2507,7 @@
           <a:p>
             <a:fld id="{9BE3F6F5-7867-F041-91C0-3CE7BFD0C93A}" type="datetimeFigureOut">
               <a:rPr lang="en-US" smtClean="0"/>
-              <a:t>10/14/16</a:t>
+              <a:t>11/6/16</a:t>
             </a:fld>
             <a:endParaRPr lang="en-US"/>
           </a:p>
@@ -2720,7 +2720,7 @@
           <a:p>
             <a:fld id="{9BE3F6F5-7867-F041-91C0-3CE7BFD0C93A}" type="datetimeFigureOut">
               <a:rPr lang="en-US" smtClean="0"/>
-              <a:t>10/14/16</a:t>
+              <a:t>11/6/16</a:t>
             </a:fld>
             <a:endParaRPr lang="en-US"/>
           </a:p>
@@ -4170,7 +4170,7 @@
         </p:nvSpPr>
         <p:spPr>
           <a:xfrm>
-            <a:off x="6685991" y="2918443"/>
+            <a:off x="6740906" y="2918443"/>
             <a:ext cx="1055740" cy="338554"/>
           </a:xfrm>
           <a:prstGeom prst="rect">
@@ -4190,7 +4190,7 @@
                 <a:latin typeface="Courier New"/>
                 <a:cs typeface="Courier New"/>
               </a:rPr>
-              <a:t>.pdf</a:t>
+              <a:t>.html</a:t>
             </a:r>
             <a:endParaRPr lang="en-US" sz="1600" b="1" dirty="0">
               <a:latin typeface="Courier New"/>

--- a/media/Overview.pptx
+++ b/media/Overview.pptx
@@ -288,7 +288,7 @@
           <a:p>
             <a:fld id="{9BE3F6F5-7867-F041-91C0-3CE7BFD0C93A}" type="datetimeFigureOut">
               <a:rPr lang="en-US" smtClean="0"/>
-              <a:t>11/6/16</a:t>
+              <a:t>11/12/16</a:t>
             </a:fld>
             <a:endParaRPr lang="en-US"/>
           </a:p>
@@ -458,7 +458,7 @@
           <a:p>
             <a:fld id="{9BE3F6F5-7867-F041-91C0-3CE7BFD0C93A}" type="datetimeFigureOut">
               <a:rPr lang="en-US" smtClean="0"/>
-              <a:t>11/6/16</a:t>
+              <a:t>11/12/16</a:t>
             </a:fld>
             <a:endParaRPr lang="en-US"/>
           </a:p>
@@ -638,7 +638,7 @@
           <a:p>
             <a:fld id="{9BE3F6F5-7867-F041-91C0-3CE7BFD0C93A}" type="datetimeFigureOut">
               <a:rPr lang="en-US" smtClean="0"/>
-              <a:t>11/6/16</a:t>
+              <a:t>11/12/16</a:t>
             </a:fld>
             <a:endParaRPr lang="en-US"/>
           </a:p>
@@ -808,7 +808,7 @@
           <a:p>
             <a:fld id="{9BE3F6F5-7867-F041-91C0-3CE7BFD0C93A}" type="datetimeFigureOut">
               <a:rPr lang="en-US" smtClean="0"/>
-              <a:t>11/6/16</a:t>
+              <a:t>11/12/16</a:t>
             </a:fld>
             <a:endParaRPr lang="en-US"/>
           </a:p>
@@ -1054,7 +1054,7 @@
           <a:p>
             <a:fld id="{9BE3F6F5-7867-F041-91C0-3CE7BFD0C93A}" type="datetimeFigureOut">
               <a:rPr lang="en-US" smtClean="0"/>
-              <a:t>11/6/16</a:t>
+              <a:t>11/12/16</a:t>
             </a:fld>
             <a:endParaRPr lang="en-US"/>
           </a:p>
@@ -1342,7 +1342,7 @@
           <a:p>
             <a:fld id="{9BE3F6F5-7867-F041-91C0-3CE7BFD0C93A}" type="datetimeFigureOut">
               <a:rPr lang="en-US" smtClean="0"/>
-              <a:t>11/6/16</a:t>
+              <a:t>11/12/16</a:t>
             </a:fld>
             <a:endParaRPr lang="en-US"/>
           </a:p>
@@ -1764,7 +1764,7 @@
           <a:p>
             <a:fld id="{9BE3F6F5-7867-F041-91C0-3CE7BFD0C93A}" type="datetimeFigureOut">
               <a:rPr lang="en-US" smtClean="0"/>
-              <a:t>11/6/16</a:t>
+              <a:t>11/12/16</a:t>
             </a:fld>
             <a:endParaRPr lang="en-US"/>
           </a:p>
@@ -1882,7 +1882,7 @@
           <a:p>
             <a:fld id="{9BE3F6F5-7867-F041-91C0-3CE7BFD0C93A}" type="datetimeFigureOut">
               <a:rPr lang="en-US" smtClean="0"/>
-              <a:t>11/6/16</a:t>
+              <a:t>11/12/16</a:t>
             </a:fld>
             <a:endParaRPr lang="en-US"/>
           </a:p>
@@ -1977,7 +1977,7 @@
           <a:p>
             <a:fld id="{9BE3F6F5-7867-F041-91C0-3CE7BFD0C93A}" type="datetimeFigureOut">
               <a:rPr lang="en-US" smtClean="0"/>
-              <a:t>11/6/16</a:t>
+              <a:t>11/12/16</a:t>
             </a:fld>
             <a:endParaRPr lang="en-US"/>
           </a:p>
@@ -2254,7 +2254,7 @@
           <a:p>
             <a:fld id="{9BE3F6F5-7867-F041-91C0-3CE7BFD0C93A}" type="datetimeFigureOut">
               <a:rPr lang="en-US" smtClean="0"/>
-              <a:t>11/6/16</a:t>
+              <a:t>11/12/16</a:t>
             </a:fld>
             <a:endParaRPr lang="en-US"/>
           </a:p>
@@ -2507,7 +2507,7 @@
           <a:p>
             <a:fld id="{9BE3F6F5-7867-F041-91C0-3CE7BFD0C93A}" type="datetimeFigureOut">
               <a:rPr lang="en-US" smtClean="0"/>
-              <a:t>11/6/16</a:t>
+              <a:t>11/12/16</a:t>
             </a:fld>
             <a:endParaRPr lang="en-US"/>
           </a:p>
@@ -2720,7 +2720,7 @@
           <a:p>
             <a:fld id="{9BE3F6F5-7867-F041-91C0-3CE7BFD0C93A}" type="datetimeFigureOut">
               <a:rPr lang="en-US" smtClean="0"/>
-              <a:t>11/6/16</a:t>
+              <a:t>11/12/16</a:t>
             </a:fld>
             <a:endParaRPr lang="en-US"/>
           </a:p>

--- a/media/Overview.pptx
+++ b/media/Overview.pptx
@@ -288,7 +288,7 @@
           <a:p>
             <a:fld id="{9BE3F6F5-7867-F041-91C0-3CE7BFD0C93A}" type="datetimeFigureOut">
               <a:rPr lang="en-US" smtClean="0"/>
-              <a:t>11/12/16</a:t>
+              <a:t>3/13/17</a:t>
             </a:fld>
             <a:endParaRPr lang="en-US"/>
           </a:p>
@@ -458,7 +458,7 @@
           <a:p>
             <a:fld id="{9BE3F6F5-7867-F041-91C0-3CE7BFD0C93A}" type="datetimeFigureOut">
               <a:rPr lang="en-US" smtClean="0"/>
-              <a:t>11/12/16</a:t>
+              <a:t>3/13/17</a:t>
             </a:fld>
             <a:endParaRPr lang="en-US"/>
           </a:p>
@@ -638,7 +638,7 @@
           <a:p>
             <a:fld id="{9BE3F6F5-7867-F041-91C0-3CE7BFD0C93A}" type="datetimeFigureOut">
               <a:rPr lang="en-US" smtClean="0"/>
-              <a:t>11/12/16</a:t>
+              <a:t>3/13/17</a:t>
             </a:fld>
             <a:endParaRPr lang="en-US"/>
           </a:p>
@@ -808,7 +808,7 @@
           <a:p>
             <a:fld id="{9BE3F6F5-7867-F041-91C0-3CE7BFD0C93A}" type="datetimeFigureOut">
               <a:rPr lang="en-US" smtClean="0"/>
-              <a:t>11/12/16</a:t>
+              <a:t>3/13/17</a:t>
             </a:fld>
             <a:endParaRPr lang="en-US"/>
           </a:p>
@@ -1054,7 +1054,7 @@
           <a:p>
             <a:fld id="{9BE3F6F5-7867-F041-91C0-3CE7BFD0C93A}" type="datetimeFigureOut">
               <a:rPr lang="en-US" smtClean="0"/>
-              <a:t>11/12/16</a:t>
+              <a:t>3/13/17</a:t>
             </a:fld>
             <a:endParaRPr lang="en-US"/>
           </a:p>
@@ -1342,7 +1342,7 @@
           <a:p>
             <a:fld id="{9BE3F6F5-7867-F041-91C0-3CE7BFD0C93A}" type="datetimeFigureOut">
               <a:rPr lang="en-US" smtClean="0"/>
-              <a:t>11/12/16</a:t>
+              <a:t>3/13/17</a:t>
             </a:fld>
             <a:endParaRPr lang="en-US"/>
           </a:p>
@@ -1764,7 +1764,7 @@
           <a:p>
             <a:fld id="{9BE3F6F5-7867-F041-91C0-3CE7BFD0C93A}" type="datetimeFigureOut">
               <a:rPr lang="en-US" smtClean="0"/>
-              <a:t>11/12/16</a:t>
+              <a:t>3/13/17</a:t>
             </a:fld>
             <a:endParaRPr lang="en-US"/>
           </a:p>
@@ -1882,7 +1882,7 @@
           <a:p>
             <a:fld id="{9BE3F6F5-7867-F041-91C0-3CE7BFD0C93A}" type="datetimeFigureOut">
               <a:rPr lang="en-US" smtClean="0"/>
-              <a:t>11/12/16</a:t>
+              <a:t>3/13/17</a:t>
             </a:fld>
             <a:endParaRPr lang="en-US"/>
           </a:p>
@@ -1977,7 +1977,7 @@
           <a:p>
             <a:fld id="{9BE3F6F5-7867-F041-91C0-3CE7BFD0C93A}" type="datetimeFigureOut">
               <a:rPr lang="en-US" smtClean="0"/>
-              <a:t>11/12/16</a:t>
+              <a:t>3/13/17</a:t>
             </a:fld>
             <a:endParaRPr lang="en-US"/>
           </a:p>
@@ -2254,7 +2254,7 @@
           <a:p>
             <a:fld id="{9BE3F6F5-7867-F041-91C0-3CE7BFD0C93A}" type="datetimeFigureOut">
               <a:rPr lang="en-US" smtClean="0"/>
-              <a:t>11/12/16</a:t>
+              <a:t>3/13/17</a:t>
             </a:fld>
             <a:endParaRPr lang="en-US"/>
           </a:p>
@@ -2507,7 +2507,7 @@
           <a:p>
             <a:fld id="{9BE3F6F5-7867-F041-91C0-3CE7BFD0C93A}" type="datetimeFigureOut">
               <a:rPr lang="en-US" smtClean="0"/>
-              <a:t>11/12/16</a:t>
+              <a:t>3/13/17</a:t>
             </a:fld>
             <a:endParaRPr lang="en-US"/>
           </a:p>
@@ -2720,7 +2720,7 @@
           <a:p>
             <a:fld id="{9BE3F6F5-7867-F041-91C0-3CE7BFD0C93A}" type="datetimeFigureOut">
               <a:rPr lang="en-US" smtClean="0"/>
-              <a:t>11/12/16</a:t>
+              <a:t>3/13/17</a:t>
             </a:fld>
             <a:endParaRPr lang="en-US"/>
           </a:p>
@@ -3095,16 +3095,238 @@
           <a:chExt cx="0" cy="0"/>
         </a:xfrm>
       </p:grpSpPr>
+      <p:cxnSp>
+        <p:nvCxnSpPr>
+          <p:cNvPr id="453" name="Straight Arrow Connector 452"/>
+          <p:cNvCxnSpPr/>
+          <p:nvPr/>
+        </p:nvCxnSpPr>
+        <p:spPr>
+          <a:xfrm flipV="1">
+            <a:off x="5327623" y="884612"/>
+            <a:ext cx="185534" cy="405485"/>
+          </a:xfrm>
+          <a:prstGeom prst="straightConnector1">
+            <a:avLst/>
+          </a:prstGeom>
+          <a:ln w="19050">
+            <a:solidFill>
+              <a:schemeClr val="tx2"/>
+            </a:solidFill>
+            <a:tailEnd type="none" w="lg" len="med"/>
+          </a:ln>
+          <a:effectLst/>
+        </p:spPr>
+        <p:style>
+          <a:lnRef idx="2">
+            <a:schemeClr val="accent1"/>
+          </a:lnRef>
+          <a:fillRef idx="0">
+            <a:schemeClr val="accent1"/>
+          </a:fillRef>
+          <a:effectRef idx="1">
+            <a:schemeClr val="accent1"/>
+          </a:effectRef>
+          <a:fontRef idx="minor">
+            <a:schemeClr val="tx1"/>
+          </a:fontRef>
+        </p:style>
+      </p:cxnSp>
+      <p:cxnSp>
+        <p:nvCxnSpPr>
+          <p:cNvPr id="452" name="Straight Arrow Connector 451"/>
+          <p:cNvCxnSpPr/>
+          <p:nvPr/>
+        </p:nvCxnSpPr>
+        <p:spPr>
+          <a:xfrm flipV="1">
+            <a:off x="4087393" y="893713"/>
+            <a:ext cx="185534" cy="405485"/>
+          </a:xfrm>
+          <a:prstGeom prst="straightConnector1">
+            <a:avLst/>
+          </a:prstGeom>
+          <a:ln w="19050">
+            <a:solidFill>
+              <a:schemeClr val="tx2"/>
+            </a:solidFill>
+            <a:tailEnd type="none" w="lg" len="med"/>
+          </a:ln>
+          <a:effectLst/>
+        </p:spPr>
+        <p:style>
+          <a:lnRef idx="2">
+            <a:schemeClr val="accent1"/>
+          </a:lnRef>
+          <a:fillRef idx="0">
+            <a:schemeClr val="accent1"/>
+          </a:fillRef>
+          <a:effectRef idx="1">
+            <a:schemeClr val="accent1"/>
+          </a:effectRef>
+          <a:fontRef idx="minor">
+            <a:schemeClr val="tx1"/>
+          </a:fontRef>
+        </p:style>
+      </p:cxnSp>
+      <p:cxnSp>
+        <p:nvCxnSpPr>
+          <p:cNvPr id="451" name="Straight Arrow Connector 450"/>
+          <p:cNvCxnSpPr/>
+          <p:nvPr/>
+        </p:nvCxnSpPr>
+        <p:spPr>
+          <a:xfrm flipV="1">
+            <a:off x="3956783" y="889335"/>
+            <a:ext cx="185534" cy="405485"/>
+          </a:xfrm>
+          <a:prstGeom prst="straightConnector1">
+            <a:avLst/>
+          </a:prstGeom>
+          <a:ln w="19050">
+            <a:solidFill>
+              <a:schemeClr val="tx2"/>
+            </a:solidFill>
+            <a:tailEnd type="none" w="lg" len="med"/>
+          </a:ln>
+          <a:effectLst/>
+        </p:spPr>
+        <p:style>
+          <a:lnRef idx="2">
+            <a:schemeClr val="accent1"/>
+          </a:lnRef>
+          <a:fillRef idx="0">
+            <a:schemeClr val="accent1"/>
+          </a:fillRef>
+          <a:effectRef idx="1">
+            <a:schemeClr val="accent1"/>
+          </a:effectRef>
+          <a:fontRef idx="minor">
+            <a:schemeClr val="tx1"/>
+          </a:fontRef>
+        </p:style>
+      </p:cxnSp>
+      <p:cxnSp>
+        <p:nvCxnSpPr>
+          <p:cNvPr id="450" name="Straight Arrow Connector 449"/>
+          <p:cNvCxnSpPr/>
+          <p:nvPr/>
+        </p:nvCxnSpPr>
+        <p:spPr>
+          <a:xfrm flipV="1">
+            <a:off x="5400462" y="889335"/>
+            <a:ext cx="185534" cy="405485"/>
+          </a:xfrm>
+          <a:prstGeom prst="straightConnector1">
+            <a:avLst/>
+          </a:prstGeom>
+          <a:ln w="19050">
+            <a:solidFill>
+              <a:schemeClr val="tx2"/>
+            </a:solidFill>
+            <a:tailEnd type="none" w="lg" len="med"/>
+          </a:ln>
+          <a:effectLst/>
+        </p:spPr>
+        <p:style>
+          <a:lnRef idx="2">
+            <a:schemeClr val="accent1"/>
+          </a:lnRef>
+          <a:fillRef idx="0">
+            <a:schemeClr val="accent1"/>
+          </a:fillRef>
+          <a:effectRef idx="1">
+            <a:schemeClr val="accent1"/>
+          </a:effectRef>
+          <a:fontRef idx="minor">
+            <a:schemeClr val="tx1"/>
+          </a:fontRef>
+        </p:style>
+      </p:cxnSp>
+      <p:cxnSp>
+        <p:nvCxnSpPr>
+          <p:cNvPr id="449" name="Straight Arrow Connector 448"/>
+          <p:cNvCxnSpPr/>
+          <p:nvPr/>
+        </p:nvCxnSpPr>
+        <p:spPr>
+          <a:xfrm flipV="1">
+            <a:off x="4019826" y="889335"/>
+            <a:ext cx="185534" cy="405485"/>
+          </a:xfrm>
+          <a:prstGeom prst="straightConnector1">
+            <a:avLst/>
+          </a:prstGeom>
+          <a:ln w="19050">
+            <a:solidFill>
+              <a:schemeClr val="tx2"/>
+            </a:solidFill>
+            <a:tailEnd type="none" w="lg" len="med"/>
+          </a:ln>
+          <a:effectLst/>
+        </p:spPr>
+        <p:style>
+          <a:lnRef idx="2">
+            <a:schemeClr val="accent1"/>
+          </a:lnRef>
+          <a:fillRef idx="0">
+            <a:schemeClr val="accent1"/>
+          </a:fillRef>
+          <a:effectRef idx="1">
+            <a:schemeClr val="accent1"/>
+          </a:effectRef>
+          <a:fontRef idx="minor">
+            <a:schemeClr val="tx1"/>
+          </a:fontRef>
+        </p:style>
+      </p:cxnSp>
+      <p:cxnSp>
+        <p:nvCxnSpPr>
+          <p:cNvPr id="447" name="Straight Arrow Connector 446"/>
+          <p:cNvCxnSpPr/>
+          <p:nvPr/>
+        </p:nvCxnSpPr>
+        <p:spPr>
+          <a:xfrm flipV="1">
+            <a:off x="3864016" y="893713"/>
+            <a:ext cx="185534" cy="405485"/>
+          </a:xfrm>
+          <a:prstGeom prst="straightConnector1">
+            <a:avLst/>
+          </a:prstGeom>
+          <a:ln w="19050">
+            <a:solidFill>
+              <a:schemeClr val="tx2"/>
+            </a:solidFill>
+            <a:tailEnd type="none" w="lg" len="med"/>
+          </a:ln>
+          <a:effectLst/>
+        </p:spPr>
+        <p:style>
+          <a:lnRef idx="2">
+            <a:schemeClr val="accent1"/>
+          </a:lnRef>
+          <a:fillRef idx="0">
+            <a:schemeClr val="accent1"/>
+          </a:fillRef>
+          <a:effectRef idx="1">
+            <a:schemeClr val="accent1"/>
+          </a:effectRef>
+          <a:fontRef idx="minor">
+            <a:schemeClr val="tx1"/>
+          </a:fontRef>
+        </p:style>
+      </p:cxnSp>
       <p:sp useBgFill="1">
         <p:nvSpPr>
-          <p:cNvPr id="31" name="Folded Corner 30"/>
+          <p:cNvPr id="49" name="Folded Corner 48"/>
           <p:cNvSpPr/>
           <p:nvPr/>
         </p:nvSpPr>
         <p:spPr>
           <a:xfrm rot="10800000">
-            <a:off x="3007579" y="299146"/>
-            <a:ext cx="920958" cy="986553"/>
+            <a:off x="1514741" y="2153067"/>
+            <a:ext cx="1150412" cy="1158699"/>
           </a:xfrm>
           <a:prstGeom prst="foldedCorner">
             <a:avLst/>
@@ -3139,63 +3361,16 @@
           </a:p>
         </p:txBody>
       </p:sp>
-      <p:sp>
-        <p:nvSpPr>
-          <p:cNvPr id="15" name="Down Arrow 14"/>
+      <p:sp useBgFill="1">
+        <p:nvSpPr>
+          <p:cNvPr id="31" name="Folded Corner 30"/>
           <p:cNvSpPr/>
           <p:nvPr/>
         </p:nvSpPr>
         <p:spPr>
-          <a:xfrm rot="16200000">
-            <a:off x="1536053" y="1385300"/>
-            <a:ext cx="489804" cy="1702826"/>
-          </a:xfrm>
-          <a:prstGeom prst="downArrow">
-            <a:avLst/>
-          </a:prstGeom>
-          <a:solidFill>
-            <a:schemeClr val="bg1"/>
-          </a:solidFill>
-          <a:ln w="28575">
-            <a:solidFill>
-              <a:schemeClr val="tx1"/>
-            </a:solidFill>
-          </a:ln>
-          <a:effectLst/>
-        </p:spPr>
-        <p:style>
-          <a:lnRef idx="1">
-            <a:schemeClr val="accent1"/>
-          </a:lnRef>
-          <a:fillRef idx="3">
-            <a:schemeClr val="accent1"/>
-          </a:fillRef>
-          <a:effectRef idx="2">
-            <a:schemeClr val="accent1"/>
-          </a:effectRef>
-          <a:fontRef idx="minor">
-            <a:schemeClr val="lt1"/>
-          </a:fontRef>
-        </p:style>
-        <p:txBody>
-          <a:bodyPr rtlCol="0" anchor="ctr"/>
-          <a:lstStyle/>
-          <a:p>
-            <a:pPr algn="ctr"/>
-            <a:endParaRPr lang="en-US"/>
-          </a:p>
-        </p:txBody>
-      </p:sp>
-      <p:sp useBgFill="1">
-        <p:nvSpPr>
-          <p:cNvPr id="9" name="Folded Corner 8"/>
-          <p:cNvSpPr/>
-          <p:nvPr/>
-        </p:nvSpPr>
-        <p:spPr>
           <a:xfrm rot="10800000">
-            <a:off x="291315" y="299146"/>
-            <a:ext cx="920958" cy="986553"/>
+            <a:off x="1512704" y="419099"/>
+            <a:ext cx="1150412" cy="1158699"/>
           </a:xfrm>
           <a:prstGeom prst="foldedCorner">
             <a:avLst/>
@@ -3232,152 +3407,14 @@
       </p:sp>
       <p:sp>
         <p:nvSpPr>
-          <p:cNvPr id="13" name="Down Arrow 12"/>
-          <p:cNvSpPr/>
+          <p:cNvPr id="19" name="TextBox 18"/>
+          <p:cNvSpPr txBox="1"/>
           <p:nvPr/>
         </p:nvSpPr>
         <p:spPr>
           <a:xfrm>
-            <a:off x="612348" y="1547182"/>
-            <a:ext cx="489804" cy="1112347"/>
-          </a:xfrm>
-          <a:prstGeom prst="downArrow">
-            <a:avLst/>
-          </a:prstGeom>
-          <a:solidFill>
-            <a:schemeClr val="bg1"/>
-          </a:solidFill>
-          <a:ln w="28575">
-            <a:solidFill>
-              <a:schemeClr val="tx1"/>
-            </a:solidFill>
-          </a:ln>
-          <a:effectLst/>
-        </p:spPr>
-        <p:style>
-          <a:lnRef idx="1">
-            <a:schemeClr val="accent1"/>
-          </a:lnRef>
-          <a:fillRef idx="3">
-            <a:schemeClr val="accent1"/>
-          </a:fillRef>
-          <a:effectRef idx="2">
-            <a:schemeClr val="accent1"/>
-          </a:effectRef>
-          <a:fontRef idx="minor">
-            <a:schemeClr val="lt1"/>
-          </a:fontRef>
-        </p:style>
-        <p:txBody>
-          <a:bodyPr rtlCol="0" anchor="ctr"/>
-          <a:lstStyle/>
-          <a:p>
-            <a:pPr algn="ctr"/>
-            <a:endParaRPr lang="en-US"/>
-          </a:p>
-        </p:txBody>
-      </p:sp>
-      <p:sp useBgFill="1">
-        <p:nvSpPr>
-          <p:cNvPr id="16" name="Folded Corner 15"/>
-          <p:cNvSpPr/>
-          <p:nvPr/>
-        </p:nvSpPr>
-        <p:spPr>
-          <a:xfrm rot="10800000">
-            <a:off x="2855179" y="1902740"/>
-            <a:ext cx="1055739" cy="1315757"/>
-          </a:xfrm>
-          <a:prstGeom prst="foldedCorner">
-            <a:avLst/>
-          </a:prstGeom>
-          <a:ln w="28575">
-            <a:solidFill>
-              <a:schemeClr val="tx1"/>
-            </a:solidFill>
-          </a:ln>
-          <a:effectLst/>
-        </p:spPr>
-        <p:style>
-          <a:lnRef idx="1">
-            <a:schemeClr val="accent1"/>
-          </a:lnRef>
-          <a:fillRef idx="3">
-            <a:schemeClr val="accent1"/>
-          </a:fillRef>
-          <a:effectRef idx="2">
-            <a:schemeClr val="accent1"/>
-          </a:effectRef>
-          <a:fontRef idx="minor">
-            <a:schemeClr val="lt1"/>
-          </a:fontRef>
-        </p:style>
-        <p:txBody>
-          <a:bodyPr rtlCol="0" anchor="ctr"/>
-          <a:lstStyle/>
-          <a:p>
-            <a:pPr algn="ctr"/>
-            <a:endParaRPr lang="en-US" dirty="0"/>
-          </a:p>
-        </p:txBody>
-      </p:sp>
-      <p:sp>
-        <p:nvSpPr>
-          <p:cNvPr id="17" name="Folded Corner 16"/>
-          <p:cNvSpPr/>
-          <p:nvPr/>
-        </p:nvSpPr>
-        <p:spPr>
-          <a:xfrm rot="10800000">
-            <a:off x="3007580" y="2154570"/>
-            <a:ext cx="1055739" cy="1315757"/>
-          </a:xfrm>
-          <a:prstGeom prst="foldedCorner">
-            <a:avLst/>
-          </a:prstGeom>
-          <a:solidFill>
-            <a:schemeClr val="bg1"/>
-          </a:solidFill>
-          <a:ln w="28575">
-            <a:solidFill>
-              <a:schemeClr val="tx1"/>
-            </a:solidFill>
-          </a:ln>
-          <a:effectLst/>
-        </p:spPr>
-        <p:style>
-          <a:lnRef idx="1">
-            <a:schemeClr val="accent1"/>
-          </a:lnRef>
-          <a:fillRef idx="3">
-            <a:schemeClr val="accent1"/>
-          </a:fillRef>
-          <a:effectRef idx="2">
-            <a:schemeClr val="accent1"/>
-          </a:effectRef>
-          <a:fontRef idx="minor">
-            <a:schemeClr val="lt1"/>
-          </a:fontRef>
-        </p:style>
-        <p:txBody>
-          <a:bodyPr rtlCol="0" anchor="ctr"/>
-          <a:lstStyle/>
-          <a:p>
-            <a:pPr algn="ctr"/>
-            <a:endParaRPr lang="en-US" dirty="0"/>
-          </a:p>
-        </p:txBody>
-      </p:sp>
-      <p:sp>
-        <p:nvSpPr>
-          <p:cNvPr id="18" name="TextBox 17"/>
-          <p:cNvSpPr txBox="1"/>
-          <p:nvPr/>
-        </p:nvSpPr>
-        <p:spPr>
-          <a:xfrm>
-            <a:off x="3007579" y="2606267"/>
-            <a:ext cx="1208140" cy="338554"/>
+            <a:off x="1445468" y="1590519"/>
+            <a:ext cx="1796263" cy="230832"/>
           </a:xfrm>
           <a:prstGeom prst="rect">
             <a:avLst/>
@@ -3391,13 +3428,19 @@
           <a:lstStyle/>
           <a:p>
             <a:r>
-              <a:rPr lang="en-US" sz="1600" b="1" dirty="0" smtClean="0">
+              <a:rPr lang="en-US" sz="900" b="1" dirty="0" smtClean="0">
+                <a:solidFill>
+                  <a:schemeClr val="tx2"/>
+                </a:solidFill>
                 <a:latin typeface="Courier New"/>
                 <a:cs typeface="Courier New"/>
               </a:rPr>
-              <a:t> .bam</a:t>
-            </a:r>
-            <a:endParaRPr lang="en-US" sz="1600" b="1" dirty="0">
+              <a:t>Available Online </a:t>
+            </a:r>
+            <a:endParaRPr lang="en-US" sz="900" b="1" dirty="0">
+              <a:solidFill>
+                <a:schemeClr val="tx2"/>
+              </a:solidFill>
               <a:latin typeface="Courier New"/>
               <a:cs typeface="Courier New"/>
             </a:endParaRPr>
@@ -3406,14 +3449,14 @@
       </p:sp>
       <p:sp>
         <p:nvSpPr>
-          <p:cNvPr id="19" name="TextBox 18"/>
+          <p:cNvPr id="23" name="TextBox 22"/>
           <p:cNvSpPr txBox="1"/>
           <p:nvPr/>
         </p:nvSpPr>
         <p:spPr>
           <a:xfrm>
-            <a:off x="981862" y="1633412"/>
-            <a:ext cx="1796263" cy="461665"/>
+            <a:off x="1514741" y="707470"/>
+            <a:ext cx="1130756" cy="553998"/>
           </a:xfrm>
           <a:prstGeom prst="rect">
             <a:avLst/>
@@ -3426,32 +3469,25 @@
           </a:bodyPr>
           <a:lstStyle/>
           <a:p>
-            <a:r>
-              <a:rPr lang="en-US" sz="1200" b="1" dirty="0" smtClean="0">
-                <a:solidFill>
-                  <a:schemeClr val="tx2"/>
-                </a:solidFill>
+            <a:pPr algn="ctr"/>
+            <a:r>
+              <a:rPr lang="en-US" sz="1000" b="1" dirty="0" smtClean="0">
                 <a:latin typeface="Courier New"/>
                 <a:cs typeface="Courier New"/>
               </a:rPr>
-              <a:t>Hi-C</a:t>
-            </a:r>
-          </a:p>
-          <a:p>
-            <a:r>
-              <a:rPr lang="en-US" sz="1200" b="1" dirty="0" smtClean="0">
-                <a:solidFill>
-                  <a:schemeClr val="tx2"/>
-                </a:solidFill>
+              <a:t>Restriction Enzyme</a:t>
+            </a:r>
+          </a:p>
+          <a:p>
+            <a:pPr algn="ctr"/>
+            <a:r>
+              <a:rPr lang="en-US" sz="1000" b="1" dirty="0" smtClean="0">
                 <a:latin typeface="Courier New"/>
                 <a:cs typeface="Courier New"/>
               </a:rPr>
-              <a:t>Preprocessing</a:t>
-            </a:r>
-            <a:endParaRPr lang="en-US" sz="1200" b="1" dirty="0">
-              <a:solidFill>
-                <a:schemeClr val="tx2"/>
-              </a:solidFill>
+              <a:t>Cut Sites</a:t>
+            </a:r>
+            <a:endParaRPr lang="en-US" sz="1000" b="1" dirty="0">
               <a:latin typeface="Courier New"/>
               <a:cs typeface="Courier New"/>
             </a:endParaRPr>
@@ -3460,201 +3496,13 @@
       </p:sp>
       <p:sp>
         <p:nvSpPr>
-          <p:cNvPr id="20" name="Folded Corner 19"/>
-          <p:cNvSpPr/>
-          <p:nvPr/>
-        </p:nvSpPr>
-        <p:spPr>
-          <a:xfrm rot="10800000">
-            <a:off x="280264" y="2739100"/>
-            <a:ext cx="1055739" cy="832375"/>
-          </a:xfrm>
-          <a:prstGeom prst="foldedCorner">
-            <a:avLst/>
-          </a:prstGeom>
-          <a:solidFill>
-            <a:schemeClr val="bg1"/>
-          </a:solidFill>
-          <a:ln w="28575">
-            <a:solidFill>
-              <a:schemeClr val="tx1"/>
-            </a:solidFill>
-          </a:ln>
-          <a:effectLst/>
-        </p:spPr>
-        <p:style>
-          <a:lnRef idx="1">
-            <a:schemeClr val="accent1"/>
-          </a:lnRef>
-          <a:fillRef idx="3">
-            <a:schemeClr val="accent1"/>
-          </a:fillRef>
-          <a:effectRef idx="2">
-            <a:schemeClr val="accent1"/>
-          </a:effectRef>
-          <a:fontRef idx="minor">
-            <a:schemeClr val="lt1"/>
-          </a:fontRef>
-        </p:style>
-        <p:txBody>
-          <a:bodyPr rtlCol="0" anchor="ctr"/>
-          <a:lstStyle/>
-          <a:p>
-            <a:pPr algn="ctr"/>
-            <a:endParaRPr lang="en-US" dirty="0"/>
-          </a:p>
-        </p:txBody>
-      </p:sp>
-      <p:sp>
-        <p:nvSpPr>
-          <p:cNvPr id="21" name="TextBox 20"/>
-          <p:cNvSpPr txBox="1"/>
-          <p:nvPr/>
-        </p:nvSpPr>
-        <p:spPr>
-          <a:xfrm>
-            <a:off x="274127" y="2752322"/>
-            <a:ext cx="1090546" cy="830997"/>
-          </a:xfrm>
-          <a:prstGeom prst="rect">
-            <a:avLst/>
-          </a:prstGeom>
-          <a:noFill/>
-        </p:spPr>
-        <p:txBody>
-          <a:bodyPr wrap="square" rtlCol="0">
-            <a:spAutoFit/>
-          </a:bodyPr>
-          <a:lstStyle/>
-          <a:p>
-            <a:pPr algn="ctr"/>
-            <a:r>
-              <a:rPr lang="en-US" sz="1600" b="1" dirty="0" smtClean="0">
-                <a:latin typeface="Courier New"/>
-                <a:cs typeface="Courier New"/>
-              </a:rPr>
-              <a:t>Hi-C</a:t>
-            </a:r>
-          </a:p>
-          <a:p>
-            <a:pPr algn="ctr"/>
-            <a:r>
-              <a:rPr lang="en-US" sz="1600" b="1" dirty="0" smtClean="0">
-                <a:latin typeface="Courier New"/>
-                <a:cs typeface="Courier New"/>
-              </a:rPr>
-              <a:t>Contact</a:t>
-            </a:r>
-          </a:p>
-          <a:p>
-            <a:pPr algn="ctr"/>
-            <a:r>
-              <a:rPr lang="en-US" sz="1600" b="1" dirty="0" smtClean="0">
-                <a:latin typeface="Courier New"/>
-                <a:cs typeface="Courier New"/>
-              </a:rPr>
-              <a:t>Matrix</a:t>
-            </a:r>
-            <a:endParaRPr lang="en-US" sz="1600" b="1" dirty="0">
-              <a:latin typeface="Courier New"/>
-              <a:cs typeface="Courier New"/>
-            </a:endParaRPr>
-          </a:p>
-        </p:txBody>
-      </p:sp>
-      <p:sp>
-        <p:nvSpPr>
-          <p:cNvPr id="23" name="TextBox 22"/>
-          <p:cNvSpPr txBox="1"/>
-          <p:nvPr/>
-        </p:nvSpPr>
-        <p:spPr>
-          <a:xfrm>
-            <a:off x="2932562" y="620824"/>
-            <a:ext cx="1055740" cy="338554"/>
-          </a:xfrm>
-          <a:prstGeom prst="rect">
-            <a:avLst/>
-          </a:prstGeom>
-          <a:noFill/>
-        </p:spPr>
-        <p:txBody>
-          <a:bodyPr wrap="square" rtlCol="0">
-            <a:spAutoFit/>
-          </a:bodyPr>
-          <a:lstStyle/>
-          <a:p>
-            <a:pPr algn="ctr"/>
-            <a:r>
-              <a:rPr lang="en-US" sz="1600" b="1" dirty="0" smtClean="0">
-                <a:latin typeface="Courier New"/>
-                <a:cs typeface="Courier New"/>
-              </a:rPr>
-              <a:t>.yaml</a:t>
-            </a:r>
-            <a:endParaRPr lang="en-US" sz="1600" b="1" dirty="0">
-              <a:latin typeface="Courier New"/>
-              <a:cs typeface="Courier New"/>
-            </a:endParaRPr>
-          </a:p>
-        </p:txBody>
-      </p:sp>
-      <p:sp>
-        <p:nvSpPr>
-          <p:cNvPr id="24" name="Down Arrow 23"/>
-          <p:cNvSpPr/>
-          <p:nvPr/>
-        </p:nvSpPr>
-        <p:spPr>
-          <a:xfrm rot="18906378">
-            <a:off x="4209306" y="1069123"/>
-            <a:ext cx="489804" cy="639088"/>
-          </a:xfrm>
-          <a:prstGeom prst="downArrow">
-            <a:avLst/>
-          </a:prstGeom>
-          <a:solidFill>
-            <a:schemeClr val="bg1"/>
-          </a:solidFill>
-          <a:ln w="28575">
-            <a:solidFill>
-              <a:schemeClr val="tx1"/>
-            </a:solidFill>
-          </a:ln>
-          <a:effectLst/>
-        </p:spPr>
-        <p:style>
-          <a:lnRef idx="1">
-            <a:schemeClr val="accent1"/>
-          </a:lnRef>
-          <a:fillRef idx="3">
-            <a:schemeClr val="accent1"/>
-          </a:fillRef>
-          <a:effectRef idx="2">
-            <a:schemeClr val="accent1"/>
-          </a:effectRef>
-          <a:fontRef idx="minor">
-            <a:schemeClr val="lt1"/>
-          </a:fontRef>
-        </p:style>
-        <p:txBody>
-          <a:bodyPr rtlCol="0" anchor="ctr"/>
-          <a:lstStyle/>
-          <a:p>
-            <a:pPr algn="ctr"/>
-            <a:endParaRPr lang="en-US"/>
-          </a:p>
-        </p:txBody>
-      </p:sp>
-      <p:sp>
-        <p:nvSpPr>
           <p:cNvPr id="26" name="TextBox 25"/>
           <p:cNvSpPr txBox="1"/>
           <p:nvPr/>
         </p:nvSpPr>
         <p:spPr>
           <a:xfrm>
-            <a:off x="4410458" y="1673492"/>
+            <a:off x="3888016" y="3088629"/>
             <a:ext cx="1796263" cy="446276"/>
           </a:xfrm>
           <a:prstGeom prst="rect">
@@ -3685,34 +3533,6 @@
               <a:latin typeface="Courier New"/>
               <a:cs typeface="Courier New"/>
             </a:endParaRPr>
-          </a:p>
-        </p:txBody>
-      </p:sp>
-      <p:sp>
-        <p:nvSpPr>
-          <p:cNvPr id="28" name="TextBox 27"/>
-          <p:cNvSpPr txBox="1"/>
-          <p:nvPr/>
-        </p:nvSpPr>
-        <p:spPr>
-          <a:xfrm>
-            <a:off x="836448" y="2130715"/>
-            <a:ext cx="1021209" cy="215444"/>
-          </a:xfrm>
-          <a:prstGeom prst="rect">
-            <a:avLst/>
-          </a:prstGeom>
-          <a:solidFill>
-            <a:schemeClr val="bg1"/>
-          </a:solidFill>
-        </p:spPr>
-        <p:txBody>
-          <a:bodyPr wrap="square" rtlCol="0">
-            <a:spAutoFit/>
-          </a:bodyPr>
-          <a:lstStyle/>
-          <a:p>
-            <a:endParaRPr lang="en-US" sz="800" dirty="0"/>
           </a:p>
         </p:txBody>
       </p:sp>
@@ -3845,53 +3665,6 @@
       </p:sp>
       <p:sp>
         <p:nvSpPr>
-          <p:cNvPr id="38" name="Down Arrow 37"/>
-          <p:cNvSpPr/>
-          <p:nvPr/>
-        </p:nvSpPr>
-        <p:spPr>
-          <a:xfrm rot="13552301">
-            <a:off x="4210161" y="2134914"/>
-            <a:ext cx="489804" cy="639088"/>
-          </a:xfrm>
-          <a:prstGeom prst="downArrow">
-            <a:avLst/>
-          </a:prstGeom>
-          <a:solidFill>
-            <a:schemeClr val="bg1"/>
-          </a:solidFill>
-          <a:ln w="28575">
-            <a:solidFill>
-              <a:schemeClr val="tx1"/>
-            </a:solidFill>
-          </a:ln>
-          <a:effectLst/>
-        </p:spPr>
-        <p:style>
-          <a:lnRef idx="1">
-            <a:schemeClr val="accent1"/>
-          </a:lnRef>
-          <a:fillRef idx="3">
-            <a:schemeClr val="accent1"/>
-          </a:fillRef>
-          <a:effectRef idx="2">
-            <a:schemeClr val="accent1"/>
-          </a:effectRef>
-          <a:fontRef idx="minor">
-            <a:schemeClr val="lt1"/>
-          </a:fontRef>
-        </p:style>
-        <p:txBody>
-          <a:bodyPr rtlCol="0" anchor="ctr"/>
-          <a:lstStyle/>
-          <a:p>
-            <a:pPr algn="ctr"/>
-            <a:endParaRPr lang="en-US"/>
-          </a:p>
-        </p:txBody>
-      </p:sp>
-      <p:sp>
-        <p:nvSpPr>
           <p:cNvPr id="39" name="Down Arrow 38"/>
           <p:cNvSpPr/>
           <p:nvPr/>
@@ -4285,20 +4058,3755 @@
           </a:p>
         </p:txBody>
       </p:sp>
-      <p:sp useBgFill="1">
-        <p:nvSpPr>
-          <p:cNvPr id="48" name="Folded Corner 47"/>
+      <p:sp>
+        <p:nvSpPr>
+          <p:cNvPr id="33" name="TextBox 32"/>
+          <p:cNvSpPr txBox="1"/>
+          <p:nvPr/>
+        </p:nvSpPr>
+        <p:spPr>
+          <a:xfrm>
+            <a:off x="-241151" y="1948285"/>
+            <a:ext cx="1478237" cy="307777"/>
+          </a:xfrm>
+          <a:prstGeom prst="rect">
+            <a:avLst/>
+          </a:prstGeom>
+          <a:noFill/>
+        </p:spPr>
+        <p:txBody>
+          <a:bodyPr wrap="square" rtlCol="0">
+            <a:spAutoFit/>
+          </a:bodyPr>
+          <a:lstStyle/>
+          <a:p>
+            <a:pPr algn="r"/>
+            <a:r>
+              <a:rPr lang="en-US" sz="700" b="1" dirty="0" smtClean="0">
+                <a:latin typeface="Courier New"/>
+                <a:cs typeface="Courier New"/>
+              </a:rPr>
+              <a:t>.yaml</a:t>
+            </a:r>
+          </a:p>
+          <a:p>
+            <a:pPr algn="r"/>
+            <a:r>
+              <a:rPr lang="en-US" sz="700" b="1" dirty="0" smtClean="0">
+                <a:latin typeface="Courier New"/>
+                <a:cs typeface="Courier New"/>
+              </a:rPr>
+              <a:t>configuration</a:t>
+            </a:r>
+            <a:endParaRPr lang="en-US" sz="700" b="1" dirty="0">
+              <a:latin typeface="Courier New"/>
+              <a:cs typeface="Courier New"/>
+            </a:endParaRPr>
+          </a:p>
+        </p:txBody>
+      </p:sp>
+      <p:sp>
+        <p:nvSpPr>
+          <p:cNvPr id="34" name="TextBox 33"/>
+          <p:cNvSpPr txBox="1"/>
+          <p:nvPr/>
+        </p:nvSpPr>
+        <p:spPr>
+          <a:xfrm>
+            <a:off x="1680129" y="3311767"/>
+            <a:ext cx="1796263" cy="230832"/>
+          </a:xfrm>
+          <a:prstGeom prst="rect">
+            <a:avLst/>
+          </a:prstGeom>
+          <a:noFill/>
+        </p:spPr>
+        <p:txBody>
+          <a:bodyPr wrap="square" rtlCol="0">
+            <a:spAutoFit/>
+          </a:bodyPr>
+          <a:lstStyle/>
+          <a:p>
+            <a:r>
+              <a:rPr lang="en-US" sz="900" b="1" dirty="0" smtClean="0">
+                <a:solidFill>
+                  <a:schemeClr val="tx2"/>
+                </a:solidFill>
+                <a:latin typeface="Courier New"/>
+                <a:cs typeface="Courier New"/>
+              </a:rPr>
+              <a:t>via HiCPro </a:t>
+            </a:r>
+            <a:endParaRPr lang="en-US" sz="900" b="1" dirty="0">
+              <a:solidFill>
+                <a:schemeClr val="tx2"/>
+              </a:solidFill>
+              <a:latin typeface="Courier New"/>
+              <a:cs typeface="Courier New"/>
+            </a:endParaRPr>
+          </a:p>
+        </p:txBody>
+      </p:sp>
+      <p:sp>
+        <p:nvSpPr>
+          <p:cNvPr id="2" name="Left Brace 1"/>
           <p:cNvSpPr/>
           <p:nvPr/>
         </p:nvSpPr>
         <p:spPr>
-          <a:xfrm rot="10800000">
-            <a:off x="443715" y="451546"/>
-            <a:ext cx="920958" cy="986553"/>
+          <a:xfrm>
+            <a:off x="1086880" y="368776"/>
+            <a:ext cx="425824" cy="3065026"/>
           </a:xfrm>
-          <a:prstGeom prst="foldedCorner">
+          <a:prstGeom prst="leftBrace">
             <a:avLst/>
           </a:prstGeom>
+          <a:noFill/>
+          <a:ln>
+            <a:solidFill>
+              <a:schemeClr val="tx1"/>
+            </a:solidFill>
+          </a:ln>
+          <a:effectLst/>
+        </p:spPr>
+        <p:style>
+          <a:lnRef idx="2">
+            <a:schemeClr val="accent1"/>
+          </a:lnRef>
+          <a:fillRef idx="0">
+            <a:schemeClr val="accent1"/>
+          </a:fillRef>
+          <a:effectRef idx="1">
+            <a:schemeClr val="accent1"/>
+          </a:effectRef>
+          <a:fontRef idx="minor">
+            <a:schemeClr val="tx1"/>
+          </a:fontRef>
+        </p:style>
+        <p:txBody>
+          <a:bodyPr rtlCol="0" anchor="ctr"/>
+          <a:lstStyle/>
+          <a:p>
+            <a:pPr algn="ctr"/>
+            <a:endParaRPr lang="en-US"/>
+          </a:p>
+        </p:txBody>
+      </p:sp>
+      <p:sp>
+        <p:nvSpPr>
+          <p:cNvPr id="35" name="TextBox 34"/>
+          <p:cNvSpPr txBox="1"/>
+          <p:nvPr/>
+        </p:nvSpPr>
+        <p:spPr>
+          <a:xfrm>
+            <a:off x="1534397" y="2414978"/>
+            <a:ext cx="1130756" cy="553998"/>
+          </a:xfrm>
+          <a:prstGeom prst="rect">
+            <a:avLst/>
+          </a:prstGeom>
+          <a:noFill/>
+        </p:spPr>
+        <p:txBody>
+          <a:bodyPr wrap="square" rtlCol="0">
+            <a:spAutoFit/>
+          </a:bodyPr>
+          <a:lstStyle/>
+          <a:p>
+            <a:pPr algn="ctr"/>
+            <a:r>
+              <a:rPr lang="en-US" sz="1000" b="1" dirty="0" smtClean="0">
+                <a:latin typeface="Courier New"/>
+                <a:cs typeface="Courier New"/>
+              </a:rPr>
+              <a:t>HiChIP</a:t>
+            </a:r>
+            <a:endParaRPr lang="en-US" sz="1000" b="1" dirty="0" smtClean="0">
+              <a:latin typeface="Courier New"/>
+              <a:cs typeface="Courier New"/>
+            </a:endParaRPr>
+          </a:p>
+          <a:p>
+            <a:pPr algn="ctr"/>
+            <a:r>
+              <a:rPr lang="en-US" sz="1000" b="1" dirty="0" smtClean="0">
+                <a:latin typeface="Courier New"/>
+                <a:cs typeface="Courier New"/>
+              </a:rPr>
+              <a:t>Aligned </a:t>
+            </a:r>
+            <a:r>
+              <a:rPr lang="en-US" sz="1000" b="1" dirty="0" smtClean="0">
+                <a:latin typeface="Courier New"/>
+                <a:cs typeface="Courier New"/>
+              </a:rPr>
+              <a:t>Hi-C Output</a:t>
+            </a:r>
+            <a:endParaRPr lang="en-US" sz="1000" b="1" dirty="0">
+              <a:latin typeface="Courier New"/>
+              <a:cs typeface="Courier New"/>
+            </a:endParaRPr>
+          </a:p>
+        </p:txBody>
+      </p:sp>
+      <p:grpSp>
+        <p:nvGrpSpPr>
+          <p:cNvPr id="417" name="Group 21"/>
+          <p:cNvGrpSpPr>
+            <a:grpSpLocks noChangeAspect="1"/>
+          </p:cNvGrpSpPr>
+          <p:nvPr/>
+        </p:nvGrpSpPr>
+        <p:grpSpPr bwMode="auto">
+          <a:xfrm flipV="1">
+            <a:off x="4381512" y="972049"/>
+            <a:ext cx="681346" cy="228701"/>
+            <a:chOff x="1169" y="3505"/>
+            <a:chExt cx="375" cy="287"/>
+          </a:xfrm>
+        </p:grpSpPr>
+        <p:sp>
+          <p:nvSpPr>
+            <p:cNvPr id="418" name="Freeform 10"/>
+            <p:cNvSpPr>
+              <a:spLocks noChangeAspect="1"/>
+            </p:cNvSpPr>
+            <p:nvPr/>
+          </p:nvSpPr>
+          <p:spPr bwMode="auto">
+            <a:xfrm>
+              <a:off x="1344" y="3505"/>
+              <a:ext cx="113" cy="287"/>
+            </a:xfrm>
+            <a:custGeom>
+              <a:avLst/>
+              <a:gdLst>
+                <a:gd name="T0" fmla="*/ 0 w 3615"/>
+                <a:gd name="T1" fmla="*/ 0 h 10500"/>
+                <a:gd name="T2" fmla="*/ 0 w 3615"/>
+                <a:gd name="T3" fmla="*/ 0 h 10500"/>
+                <a:gd name="T4" fmla="*/ 0 w 3615"/>
+                <a:gd name="T5" fmla="*/ 0 h 10500"/>
+                <a:gd name="T6" fmla="*/ 0 w 3615"/>
+                <a:gd name="T7" fmla="*/ 0 h 10500"/>
+                <a:gd name="T8" fmla="*/ 0 w 3615"/>
+                <a:gd name="T9" fmla="*/ 0 h 10500"/>
+                <a:gd name="T10" fmla="*/ 0 60000 65536"/>
+                <a:gd name="T11" fmla="*/ 0 60000 65536"/>
+                <a:gd name="T12" fmla="*/ 0 60000 65536"/>
+                <a:gd name="T13" fmla="*/ 0 60000 65536"/>
+                <a:gd name="T14" fmla="*/ 0 60000 65536"/>
+                <a:gd name="T15" fmla="*/ 0 w 3615"/>
+                <a:gd name="T16" fmla="*/ 0 h 10500"/>
+                <a:gd name="T17" fmla="*/ 3615 w 3615"/>
+                <a:gd name="T18" fmla="*/ 10500 h 10500"/>
+              </a:gdLst>
+              <a:ahLst/>
+              <a:cxnLst>
+                <a:cxn ang="T10">
+                  <a:pos x="T0" y="T1"/>
+                </a:cxn>
+                <a:cxn ang="T11">
+                  <a:pos x="T2" y="T3"/>
+                </a:cxn>
+                <a:cxn ang="T12">
+                  <a:pos x="T4" y="T5"/>
+                </a:cxn>
+                <a:cxn ang="T13">
+                  <a:pos x="T6" y="T7"/>
+                </a:cxn>
+                <a:cxn ang="T14">
+                  <a:pos x="T8" y="T9"/>
+                </a:cxn>
+              </a:cxnLst>
+              <a:rect l="T15" t="T16" r="T17" b="T18"/>
+              <a:pathLst>
+                <a:path w="3615" h="10500">
+                  <a:moveTo>
+                    <a:pt x="3615" y="0"/>
+                  </a:moveTo>
+                  <a:cubicBezTo>
+                    <a:pt x="1941" y="0"/>
+                    <a:pt x="2489" y="10500"/>
+                    <a:pt x="827" y="10500"/>
+                  </a:cubicBezTo>
+                  <a:cubicBezTo>
+                    <a:pt x="0" y="10500"/>
+                    <a:pt x="0" y="10500"/>
+                    <a:pt x="0" y="10500"/>
+                  </a:cubicBezTo>
+                  <a:cubicBezTo>
+                    <a:pt x="1662" y="10500"/>
+                    <a:pt x="1117" y="0"/>
+                    <a:pt x="2788" y="0"/>
+                  </a:cubicBezTo>
+                  <a:lnTo>
+                    <a:pt x="3615" y="0"/>
+                  </a:lnTo>
+                  <a:close/>
+                </a:path>
+              </a:pathLst>
+            </a:custGeom>
+            <a:solidFill>
+              <a:schemeClr val="tx1">
+                <a:lumMod val="50000"/>
+                <a:lumOff val="50000"/>
+              </a:schemeClr>
+            </a:solidFill>
+            <a:ln>
+              <a:noFill/>
+            </a:ln>
+            <a:extLst>
+              <a:ext uri="{91240B29-F687-4f45-9708-019B960494DF}">
+                <a14:hiddenLine xmlns:a14="http://schemas.microsoft.com/office/drawing/2010/main" w="6350">
+                  <a:solidFill>
+                    <a:srgbClr val="3366FF"/>
+                  </a:solidFill>
+                  <a:round/>
+                  <a:headEnd/>
+                  <a:tailEnd/>
+                </a14:hiddenLine>
+              </a:ext>
+            </a:extLst>
+          </p:spPr>
+          <p:txBody>
+            <a:bodyPr/>
+            <a:lstStyle/>
+            <a:p>
+              <a:endParaRPr lang="en-US"/>
+            </a:p>
+          </p:txBody>
+        </p:sp>
+        <p:sp>
+          <p:nvSpPr>
+            <p:cNvPr id="419" name="Freeform 9"/>
+            <p:cNvSpPr>
+              <a:spLocks noChangeAspect="1"/>
+            </p:cNvSpPr>
+            <p:nvPr/>
+          </p:nvSpPr>
+          <p:spPr bwMode="auto">
+            <a:xfrm>
+              <a:off x="1430" y="3505"/>
+              <a:ext cx="114" cy="287"/>
+            </a:xfrm>
+            <a:custGeom>
+              <a:avLst/>
+              <a:gdLst>
+                <a:gd name="T0" fmla="*/ 0 w 3615"/>
+                <a:gd name="T1" fmla="*/ 0 h 10475"/>
+                <a:gd name="T2" fmla="*/ 0 w 3615"/>
+                <a:gd name="T3" fmla="*/ 0 h 10475"/>
+                <a:gd name="T4" fmla="*/ 0 w 3615"/>
+                <a:gd name="T5" fmla="*/ 0 h 10475"/>
+                <a:gd name="T6" fmla="*/ 0 w 3615"/>
+                <a:gd name="T7" fmla="*/ 0 h 10475"/>
+                <a:gd name="T8" fmla="*/ 0 w 3615"/>
+                <a:gd name="T9" fmla="*/ 0 h 10475"/>
+                <a:gd name="T10" fmla="*/ 0 60000 65536"/>
+                <a:gd name="T11" fmla="*/ 0 60000 65536"/>
+                <a:gd name="T12" fmla="*/ 0 60000 65536"/>
+                <a:gd name="T13" fmla="*/ 0 60000 65536"/>
+                <a:gd name="T14" fmla="*/ 0 60000 65536"/>
+                <a:gd name="T15" fmla="*/ 0 w 3615"/>
+                <a:gd name="T16" fmla="*/ 0 h 10475"/>
+                <a:gd name="T17" fmla="*/ 3615 w 3615"/>
+                <a:gd name="T18" fmla="*/ 10475 h 10475"/>
+              </a:gdLst>
+              <a:ahLst/>
+              <a:cxnLst>
+                <a:cxn ang="T10">
+                  <a:pos x="T0" y="T1"/>
+                </a:cxn>
+                <a:cxn ang="T11">
+                  <a:pos x="T2" y="T3"/>
+                </a:cxn>
+                <a:cxn ang="T12">
+                  <a:pos x="T4" y="T5"/>
+                </a:cxn>
+                <a:cxn ang="T13">
+                  <a:pos x="T6" y="T7"/>
+                </a:cxn>
+                <a:cxn ang="T14">
+                  <a:pos x="T8" y="T9"/>
+                </a:cxn>
+              </a:cxnLst>
+              <a:rect l="T15" t="T16" r="T17" b="T18"/>
+              <a:pathLst>
+                <a:path w="3615" h="10475">
+                  <a:moveTo>
+                    <a:pt x="3615" y="0"/>
+                  </a:moveTo>
+                  <a:cubicBezTo>
+                    <a:pt x="1942" y="0"/>
+                    <a:pt x="2489" y="10475"/>
+                    <a:pt x="827" y="10475"/>
+                  </a:cubicBezTo>
+                  <a:cubicBezTo>
+                    <a:pt x="0" y="10475"/>
+                    <a:pt x="0" y="10475"/>
+                    <a:pt x="0" y="10475"/>
+                  </a:cubicBezTo>
+                  <a:cubicBezTo>
+                    <a:pt x="1662" y="10475"/>
+                    <a:pt x="1118" y="0"/>
+                    <a:pt x="2788" y="0"/>
+                  </a:cubicBezTo>
+                  <a:lnTo>
+                    <a:pt x="3615" y="0"/>
+                  </a:lnTo>
+                  <a:close/>
+                </a:path>
+              </a:pathLst>
+            </a:custGeom>
+            <a:solidFill>
+              <a:schemeClr val="bg1">
+                <a:lumMod val="65000"/>
+              </a:schemeClr>
+            </a:solidFill>
+            <a:ln>
+              <a:noFill/>
+            </a:ln>
+            <a:extLst>
+              <a:ext uri="{91240B29-F687-4f45-9708-019B960494DF}">
+                <a14:hiddenLine xmlns:a14="http://schemas.microsoft.com/office/drawing/2010/main" w="6350">
+                  <a:solidFill>
+                    <a:srgbClr val="FF6600"/>
+                  </a:solidFill>
+                  <a:round/>
+                  <a:headEnd/>
+                  <a:tailEnd/>
+                </a14:hiddenLine>
+              </a:ext>
+            </a:extLst>
+          </p:spPr>
+          <p:txBody>
+            <a:bodyPr/>
+            <a:lstStyle/>
+            <a:p>
+              <a:endParaRPr lang="en-US">
+                <a:solidFill>
+                  <a:schemeClr val="bg1">
+                    <a:lumMod val="65000"/>
+                  </a:schemeClr>
+                </a:solidFill>
+              </a:endParaRPr>
+            </a:p>
+          </p:txBody>
+        </p:sp>
+        <p:sp>
+          <p:nvSpPr>
+            <p:cNvPr id="420" name="Freeform 10"/>
+            <p:cNvSpPr>
+              <a:spLocks noChangeAspect="1"/>
+            </p:cNvSpPr>
+            <p:nvPr/>
+          </p:nvSpPr>
+          <p:spPr bwMode="auto">
+            <a:xfrm>
+              <a:off x="1169" y="3505"/>
+              <a:ext cx="114" cy="287"/>
+            </a:xfrm>
+            <a:custGeom>
+              <a:avLst/>
+              <a:gdLst>
+                <a:gd name="T0" fmla="*/ 0 w 3615"/>
+                <a:gd name="T1" fmla="*/ 0 h 10500"/>
+                <a:gd name="T2" fmla="*/ 0 w 3615"/>
+                <a:gd name="T3" fmla="*/ 0 h 10500"/>
+                <a:gd name="T4" fmla="*/ 0 w 3615"/>
+                <a:gd name="T5" fmla="*/ 0 h 10500"/>
+                <a:gd name="T6" fmla="*/ 0 w 3615"/>
+                <a:gd name="T7" fmla="*/ 0 h 10500"/>
+                <a:gd name="T8" fmla="*/ 0 w 3615"/>
+                <a:gd name="T9" fmla="*/ 0 h 10500"/>
+                <a:gd name="T10" fmla="*/ 0 60000 65536"/>
+                <a:gd name="T11" fmla="*/ 0 60000 65536"/>
+                <a:gd name="T12" fmla="*/ 0 60000 65536"/>
+                <a:gd name="T13" fmla="*/ 0 60000 65536"/>
+                <a:gd name="T14" fmla="*/ 0 60000 65536"/>
+                <a:gd name="T15" fmla="*/ 0 w 3615"/>
+                <a:gd name="T16" fmla="*/ 0 h 10500"/>
+                <a:gd name="T17" fmla="*/ 3615 w 3615"/>
+                <a:gd name="T18" fmla="*/ 10500 h 10500"/>
+              </a:gdLst>
+              <a:ahLst/>
+              <a:cxnLst>
+                <a:cxn ang="T10">
+                  <a:pos x="T0" y="T1"/>
+                </a:cxn>
+                <a:cxn ang="T11">
+                  <a:pos x="T2" y="T3"/>
+                </a:cxn>
+                <a:cxn ang="T12">
+                  <a:pos x="T4" y="T5"/>
+                </a:cxn>
+                <a:cxn ang="T13">
+                  <a:pos x="T6" y="T7"/>
+                </a:cxn>
+                <a:cxn ang="T14">
+                  <a:pos x="T8" y="T9"/>
+                </a:cxn>
+              </a:cxnLst>
+              <a:rect l="T15" t="T16" r="T17" b="T18"/>
+              <a:pathLst>
+                <a:path w="3615" h="10500">
+                  <a:moveTo>
+                    <a:pt x="3615" y="0"/>
+                  </a:moveTo>
+                  <a:cubicBezTo>
+                    <a:pt x="1941" y="0"/>
+                    <a:pt x="2489" y="10500"/>
+                    <a:pt x="827" y="10500"/>
+                  </a:cubicBezTo>
+                  <a:cubicBezTo>
+                    <a:pt x="0" y="10500"/>
+                    <a:pt x="0" y="10500"/>
+                    <a:pt x="0" y="10500"/>
+                  </a:cubicBezTo>
+                  <a:cubicBezTo>
+                    <a:pt x="1662" y="10500"/>
+                    <a:pt x="1117" y="0"/>
+                    <a:pt x="2788" y="0"/>
+                  </a:cubicBezTo>
+                  <a:lnTo>
+                    <a:pt x="3615" y="0"/>
+                  </a:lnTo>
+                  <a:close/>
+                </a:path>
+              </a:pathLst>
+            </a:custGeom>
+            <a:solidFill>
+              <a:schemeClr val="tx1">
+                <a:lumMod val="50000"/>
+                <a:lumOff val="50000"/>
+              </a:schemeClr>
+            </a:solidFill>
+            <a:ln>
+              <a:noFill/>
+            </a:ln>
+            <a:extLst>
+              <a:ext uri="{91240B29-F687-4f45-9708-019B960494DF}">
+                <a14:hiddenLine xmlns:a14="http://schemas.microsoft.com/office/drawing/2010/main" w="6350">
+                  <a:solidFill>
+                    <a:srgbClr val="3366FF"/>
+                  </a:solidFill>
+                  <a:round/>
+                  <a:headEnd/>
+                  <a:tailEnd/>
+                </a14:hiddenLine>
+              </a:ext>
+            </a:extLst>
+          </p:spPr>
+          <p:txBody>
+            <a:bodyPr/>
+            <a:lstStyle/>
+            <a:p>
+              <a:endParaRPr lang="en-US"/>
+            </a:p>
+          </p:txBody>
+        </p:sp>
+        <p:sp>
+          <p:nvSpPr>
+            <p:cNvPr id="421" name="Freeform 9"/>
+            <p:cNvSpPr>
+              <a:spLocks noChangeAspect="1"/>
+            </p:cNvSpPr>
+            <p:nvPr/>
+          </p:nvSpPr>
+          <p:spPr bwMode="auto">
+            <a:xfrm>
+              <a:off x="1256" y="3505"/>
+              <a:ext cx="113" cy="287"/>
+            </a:xfrm>
+            <a:custGeom>
+              <a:avLst/>
+              <a:gdLst>
+                <a:gd name="T0" fmla="*/ 0 w 3615"/>
+                <a:gd name="T1" fmla="*/ 0 h 10475"/>
+                <a:gd name="T2" fmla="*/ 0 w 3615"/>
+                <a:gd name="T3" fmla="*/ 0 h 10475"/>
+                <a:gd name="T4" fmla="*/ 0 w 3615"/>
+                <a:gd name="T5" fmla="*/ 0 h 10475"/>
+                <a:gd name="T6" fmla="*/ 0 w 3615"/>
+                <a:gd name="T7" fmla="*/ 0 h 10475"/>
+                <a:gd name="T8" fmla="*/ 0 w 3615"/>
+                <a:gd name="T9" fmla="*/ 0 h 10475"/>
+                <a:gd name="T10" fmla="*/ 0 60000 65536"/>
+                <a:gd name="T11" fmla="*/ 0 60000 65536"/>
+                <a:gd name="T12" fmla="*/ 0 60000 65536"/>
+                <a:gd name="T13" fmla="*/ 0 60000 65536"/>
+                <a:gd name="T14" fmla="*/ 0 60000 65536"/>
+                <a:gd name="T15" fmla="*/ 0 w 3615"/>
+                <a:gd name="T16" fmla="*/ 0 h 10475"/>
+                <a:gd name="T17" fmla="*/ 3615 w 3615"/>
+                <a:gd name="T18" fmla="*/ 10475 h 10475"/>
+              </a:gdLst>
+              <a:ahLst/>
+              <a:cxnLst>
+                <a:cxn ang="T10">
+                  <a:pos x="T0" y="T1"/>
+                </a:cxn>
+                <a:cxn ang="T11">
+                  <a:pos x="T2" y="T3"/>
+                </a:cxn>
+                <a:cxn ang="T12">
+                  <a:pos x="T4" y="T5"/>
+                </a:cxn>
+                <a:cxn ang="T13">
+                  <a:pos x="T6" y="T7"/>
+                </a:cxn>
+                <a:cxn ang="T14">
+                  <a:pos x="T8" y="T9"/>
+                </a:cxn>
+              </a:cxnLst>
+              <a:rect l="T15" t="T16" r="T17" b="T18"/>
+              <a:pathLst>
+                <a:path w="3615" h="10475">
+                  <a:moveTo>
+                    <a:pt x="3615" y="0"/>
+                  </a:moveTo>
+                  <a:cubicBezTo>
+                    <a:pt x="1942" y="0"/>
+                    <a:pt x="2489" y="10475"/>
+                    <a:pt x="827" y="10475"/>
+                  </a:cubicBezTo>
+                  <a:cubicBezTo>
+                    <a:pt x="0" y="10475"/>
+                    <a:pt x="0" y="10475"/>
+                    <a:pt x="0" y="10475"/>
+                  </a:cubicBezTo>
+                  <a:cubicBezTo>
+                    <a:pt x="1662" y="10475"/>
+                    <a:pt x="1118" y="0"/>
+                    <a:pt x="2788" y="0"/>
+                  </a:cubicBezTo>
+                  <a:lnTo>
+                    <a:pt x="3615" y="0"/>
+                  </a:lnTo>
+                  <a:close/>
+                </a:path>
+              </a:pathLst>
+            </a:custGeom>
+            <a:solidFill>
+              <a:schemeClr val="bg1">
+                <a:lumMod val="65000"/>
+              </a:schemeClr>
+            </a:solidFill>
+            <a:ln>
+              <a:noFill/>
+            </a:ln>
+            <a:extLst>
+              <a:ext uri="{91240B29-F687-4f45-9708-019B960494DF}">
+                <a14:hiddenLine xmlns:a14="http://schemas.microsoft.com/office/drawing/2010/main" w="6350">
+                  <a:solidFill>
+                    <a:srgbClr val="FF6600"/>
+                  </a:solidFill>
+                  <a:round/>
+                  <a:headEnd/>
+                  <a:tailEnd/>
+                </a14:hiddenLine>
+              </a:ext>
+            </a:extLst>
+          </p:spPr>
+          <p:txBody>
+            <a:bodyPr/>
+            <a:lstStyle/>
+            <a:p>
+              <a:endParaRPr lang="en-US"/>
+            </a:p>
+          </p:txBody>
+        </p:sp>
+        <p:sp>
+          <p:nvSpPr>
+            <p:cNvPr id="422" name="Freeform 8"/>
+            <p:cNvSpPr>
+              <a:spLocks noChangeAspect="1"/>
+            </p:cNvSpPr>
+            <p:nvPr/>
+          </p:nvSpPr>
+          <p:spPr bwMode="auto">
+            <a:xfrm>
+              <a:off x="1169" y="3505"/>
+              <a:ext cx="114" cy="287"/>
+            </a:xfrm>
+            <a:custGeom>
+              <a:avLst/>
+              <a:gdLst>
+                <a:gd name="T0" fmla="*/ 0 w 3607"/>
+                <a:gd name="T1" fmla="*/ 0 h 10500"/>
+                <a:gd name="T2" fmla="*/ 0 w 3607"/>
+                <a:gd name="T3" fmla="*/ 0 h 10500"/>
+                <a:gd name="T4" fmla="*/ 0 w 3607"/>
+                <a:gd name="T5" fmla="*/ 0 h 10500"/>
+                <a:gd name="T6" fmla="*/ 0 w 3607"/>
+                <a:gd name="T7" fmla="*/ 0 h 10500"/>
+                <a:gd name="T8" fmla="*/ 0 w 3607"/>
+                <a:gd name="T9" fmla="*/ 0 h 10500"/>
+                <a:gd name="T10" fmla="*/ 0 60000 65536"/>
+                <a:gd name="T11" fmla="*/ 0 60000 65536"/>
+                <a:gd name="T12" fmla="*/ 0 60000 65536"/>
+                <a:gd name="T13" fmla="*/ 0 60000 65536"/>
+                <a:gd name="T14" fmla="*/ 0 60000 65536"/>
+                <a:gd name="T15" fmla="*/ 0 w 3607"/>
+                <a:gd name="T16" fmla="*/ 0 h 10500"/>
+                <a:gd name="T17" fmla="*/ 3607 w 3607"/>
+                <a:gd name="T18" fmla="*/ 10500 h 10500"/>
+              </a:gdLst>
+              <a:ahLst/>
+              <a:cxnLst>
+                <a:cxn ang="T10">
+                  <a:pos x="T0" y="T1"/>
+                </a:cxn>
+                <a:cxn ang="T11">
+                  <a:pos x="T2" y="T3"/>
+                </a:cxn>
+                <a:cxn ang="T12">
+                  <a:pos x="T4" y="T5"/>
+                </a:cxn>
+                <a:cxn ang="T13">
+                  <a:pos x="T6" y="T7"/>
+                </a:cxn>
+                <a:cxn ang="T14">
+                  <a:pos x="T8" y="T9"/>
+                </a:cxn>
+              </a:cxnLst>
+              <a:rect l="T15" t="T16" r="T17" b="T18"/>
+              <a:pathLst>
+                <a:path w="3607" h="10500">
+                  <a:moveTo>
+                    <a:pt x="3607" y="10500"/>
+                  </a:moveTo>
+                  <a:cubicBezTo>
+                    <a:pt x="1937" y="10500"/>
+                    <a:pt x="2484" y="0"/>
+                    <a:pt x="825" y="0"/>
+                  </a:cubicBezTo>
+                  <a:cubicBezTo>
+                    <a:pt x="0" y="0"/>
+                    <a:pt x="0" y="0"/>
+                    <a:pt x="0" y="0"/>
+                  </a:cubicBezTo>
+                  <a:cubicBezTo>
+                    <a:pt x="1659" y="0"/>
+                    <a:pt x="1115" y="10500"/>
+                    <a:pt x="2782" y="10500"/>
+                  </a:cubicBezTo>
+                  <a:lnTo>
+                    <a:pt x="3607" y="10500"/>
+                  </a:lnTo>
+                  <a:close/>
+                </a:path>
+              </a:pathLst>
+            </a:custGeom>
+            <a:solidFill>
+              <a:schemeClr val="bg1">
+                <a:lumMod val="65000"/>
+              </a:schemeClr>
+            </a:solidFill>
+            <a:ln>
+              <a:noFill/>
+            </a:ln>
+            <a:extLst>
+              <a:ext uri="{91240B29-F687-4f45-9708-019B960494DF}">
+                <a14:hiddenLine xmlns:a14="http://schemas.microsoft.com/office/drawing/2010/main" w="6350">
+                  <a:solidFill>
+                    <a:srgbClr val="FF6600"/>
+                  </a:solidFill>
+                  <a:round/>
+                  <a:headEnd/>
+                  <a:tailEnd/>
+                </a14:hiddenLine>
+              </a:ext>
+            </a:extLst>
+          </p:spPr>
+          <p:txBody>
+            <a:bodyPr/>
+            <a:lstStyle/>
+            <a:p>
+              <a:endParaRPr lang="en-US">
+                <a:solidFill>
+                  <a:schemeClr val="bg1">
+                    <a:lumMod val="65000"/>
+                  </a:schemeClr>
+                </a:solidFill>
+              </a:endParaRPr>
+            </a:p>
+          </p:txBody>
+        </p:sp>
+        <p:sp>
+          <p:nvSpPr>
+            <p:cNvPr id="423" name="Freeform 8"/>
+            <p:cNvSpPr>
+              <a:spLocks noChangeAspect="1"/>
+            </p:cNvSpPr>
+            <p:nvPr/>
+          </p:nvSpPr>
+          <p:spPr bwMode="auto">
+            <a:xfrm>
+              <a:off x="1344" y="3505"/>
+              <a:ext cx="113" cy="287"/>
+            </a:xfrm>
+            <a:custGeom>
+              <a:avLst/>
+              <a:gdLst>
+                <a:gd name="T0" fmla="*/ 0 w 3607"/>
+                <a:gd name="T1" fmla="*/ 0 h 10500"/>
+                <a:gd name="T2" fmla="*/ 0 w 3607"/>
+                <a:gd name="T3" fmla="*/ 0 h 10500"/>
+                <a:gd name="T4" fmla="*/ 0 w 3607"/>
+                <a:gd name="T5" fmla="*/ 0 h 10500"/>
+                <a:gd name="T6" fmla="*/ 0 w 3607"/>
+                <a:gd name="T7" fmla="*/ 0 h 10500"/>
+                <a:gd name="T8" fmla="*/ 0 w 3607"/>
+                <a:gd name="T9" fmla="*/ 0 h 10500"/>
+                <a:gd name="T10" fmla="*/ 0 60000 65536"/>
+                <a:gd name="T11" fmla="*/ 0 60000 65536"/>
+                <a:gd name="T12" fmla="*/ 0 60000 65536"/>
+                <a:gd name="T13" fmla="*/ 0 60000 65536"/>
+                <a:gd name="T14" fmla="*/ 0 60000 65536"/>
+                <a:gd name="T15" fmla="*/ 0 w 3607"/>
+                <a:gd name="T16" fmla="*/ 0 h 10500"/>
+                <a:gd name="T17" fmla="*/ 3607 w 3607"/>
+                <a:gd name="T18" fmla="*/ 10500 h 10500"/>
+              </a:gdLst>
+              <a:ahLst/>
+              <a:cxnLst>
+                <a:cxn ang="T10">
+                  <a:pos x="T0" y="T1"/>
+                </a:cxn>
+                <a:cxn ang="T11">
+                  <a:pos x="T2" y="T3"/>
+                </a:cxn>
+                <a:cxn ang="T12">
+                  <a:pos x="T4" y="T5"/>
+                </a:cxn>
+                <a:cxn ang="T13">
+                  <a:pos x="T6" y="T7"/>
+                </a:cxn>
+                <a:cxn ang="T14">
+                  <a:pos x="T8" y="T9"/>
+                </a:cxn>
+              </a:cxnLst>
+              <a:rect l="T15" t="T16" r="T17" b="T18"/>
+              <a:pathLst>
+                <a:path w="3607" h="10500">
+                  <a:moveTo>
+                    <a:pt x="3607" y="10500"/>
+                  </a:moveTo>
+                  <a:cubicBezTo>
+                    <a:pt x="1937" y="10500"/>
+                    <a:pt x="2484" y="0"/>
+                    <a:pt x="825" y="0"/>
+                  </a:cubicBezTo>
+                  <a:cubicBezTo>
+                    <a:pt x="0" y="0"/>
+                    <a:pt x="0" y="0"/>
+                    <a:pt x="0" y="0"/>
+                  </a:cubicBezTo>
+                  <a:cubicBezTo>
+                    <a:pt x="1659" y="0"/>
+                    <a:pt x="1115" y="10500"/>
+                    <a:pt x="2782" y="10500"/>
+                  </a:cubicBezTo>
+                  <a:lnTo>
+                    <a:pt x="3607" y="10500"/>
+                  </a:lnTo>
+                  <a:close/>
+                </a:path>
+              </a:pathLst>
+            </a:custGeom>
+            <a:solidFill>
+              <a:schemeClr val="bg1">
+                <a:lumMod val="65000"/>
+              </a:schemeClr>
+            </a:solidFill>
+            <a:ln>
+              <a:noFill/>
+            </a:ln>
+            <a:extLst>
+              <a:ext uri="{91240B29-F687-4f45-9708-019B960494DF}">
+                <a14:hiddenLine xmlns:a14="http://schemas.microsoft.com/office/drawing/2010/main" w="6350">
+                  <a:solidFill>
+                    <a:srgbClr val="FF6600"/>
+                  </a:solidFill>
+                  <a:round/>
+                  <a:headEnd/>
+                  <a:tailEnd/>
+                </a14:hiddenLine>
+              </a:ext>
+            </a:extLst>
+          </p:spPr>
+          <p:txBody>
+            <a:bodyPr/>
+            <a:lstStyle/>
+            <a:p>
+              <a:endParaRPr lang="en-US">
+                <a:solidFill>
+                  <a:schemeClr val="bg1">
+                    <a:lumMod val="65000"/>
+                  </a:schemeClr>
+                </a:solidFill>
+              </a:endParaRPr>
+            </a:p>
+          </p:txBody>
+        </p:sp>
+        <p:sp>
+          <p:nvSpPr>
+            <p:cNvPr id="424" name="Freeform 7"/>
+            <p:cNvSpPr>
+              <a:spLocks noChangeAspect="1"/>
+            </p:cNvSpPr>
+            <p:nvPr/>
+          </p:nvSpPr>
+          <p:spPr bwMode="auto">
+            <a:xfrm>
+              <a:off x="1430" y="3505"/>
+              <a:ext cx="114" cy="286"/>
+            </a:xfrm>
+            <a:custGeom>
+              <a:avLst/>
+              <a:gdLst>
+                <a:gd name="T0" fmla="*/ 0 w 3607"/>
+                <a:gd name="T1" fmla="*/ 0 h 10475"/>
+                <a:gd name="T2" fmla="*/ 0 w 3607"/>
+                <a:gd name="T3" fmla="*/ 0 h 10475"/>
+                <a:gd name="T4" fmla="*/ 0 w 3607"/>
+                <a:gd name="T5" fmla="*/ 0 h 10475"/>
+                <a:gd name="T6" fmla="*/ 0 w 3607"/>
+                <a:gd name="T7" fmla="*/ 0 h 10475"/>
+                <a:gd name="T8" fmla="*/ 0 w 3607"/>
+                <a:gd name="T9" fmla="*/ 0 h 10475"/>
+                <a:gd name="T10" fmla="*/ 0 60000 65536"/>
+                <a:gd name="T11" fmla="*/ 0 60000 65536"/>
+                <a:gd name="T12" fmla="*/ 0 60000 65536"/>
+                <a:gd name="T13" fmla="*/ 0 60000 65536"/>
+                <a:gd name="T14" fmla="*/ 0 60000 65536"/>
+                <a:gd name="T15" fmla="*/ 0 w 3607"/>
+                <a:gd name="T16" fmla="*/ 0 h 10475"/>
+                <a:gd name="T17" fmla="*/ 3607 w 3607"/>
+                <a:gd name="T18" fmla="*/ 10475 h 10475"/>
+              </a:gdLst>
+              <a:ahLst/>
+              <a:cxnLst>
+                <a:cxn ang="T10">
+                  <a:pos x="T0" y="T1"/>
+                </a:cxn>
+                <a:cxn ang="T11">
+                  <a:pos x="T2" y="T3"/>
+                </a:cxn>
+                <a:cxn ang="T12">
+                  <a:pos x="T4" y="T5"/>
+                </a:cxn>
+                <a:cxn ang="T13">
+                  <a:pos x="T6" y="T7"/>
+                </a:cxn>
+                <a:cxn ang="T14">
+                  <a:pos x="T8" y="T9"/>
+                </a:cxn>
+              </a:cxnLst>
+              <a:rect l="T15" t="T16" r="T17" b="T18"/>
+              <a:pathLst>
+                <a:path w="3607" h="10475">
+                  <a:moveTo>
+                    <a:pt x="3607" y="10475"/>
+                  </a:moveTo>
+                  <a:cubicBezTo>
+                    <a:pt x="1937" y="10475"/>
+                    <a:pt x="2484" y="0"/>
+                    <a:pt x="825" y="0"/>
+                  </a:cubicBezTo>
+                  <a:cubicBezTo>
+                    <a:pt x="0" y="0"/>
+                    <a:pt x="0" y="0"/>
+                    <a:pt x="0" y="0"/>
+                  </a:cubicBezTo>
+                  <a:cubicBezTo>
+                    <a:pt x="1659" y="0"/>
+                    <a:pt x="1115" y="10475"/>
+                    <a:pt x="2782" y="10475"/>
+                  </a:cubicBezTo>
+                  <a:lnTo>
+                    <a:pt x="3607" y="10475"/>
+                  </a:lnTo>
+                  <a:close/>
+                </a:path>
+              </a:pathLst>
+            </a:custGeom>
+            <a:solidFill>
+              <a:schemeClr val="tx1">
+                <a:lumMod val="50000"/>
+                <a:lumOff val="50000"/>
+              </a:schemeClr>
+            </a:solidFill>
+            <a:ln>
+              <a:noFill/>
+            </a:ln>
+            <a:extLst>
+              <a:ext uri="{91240B29-F687-4f45-9708-019B960494DF}">
+                <a14:hiddenLine xmlns:a14="http://schemas.microsoft.com/office/drawing/2010/main" w="6350">
+                  <a:solidFill>
+                    <a:srgbClr val="3366FF"/>
+                  </a:solidFill>
+                  <a:round/>
+                  <a:headEnd/>
+                  <a:tailEnd/>
+                </a14:hiddenLine>
+              </a:ext>
+            </a:extLst>
+          </p:spPr>
+          <p:txBody>
+            <a:bodyPr/>
+            <a:lstStyle/>
+            <a:p>
+              <a:endParaRPr lang="en-US"/>
+            </a:p>
+          </p:txBody>
+        </p:sp>
+        <p:sp>
+          <p:nvSpPr>
+            <p:cNvPr id="425" name="Freeform 7"/>
+            <p:cNvSpPr>
+              <a:spLocks noChangeAspect="1"/>
+            </p:cNvSpPr>
+            <p:nvPr/>
+          </p:nvSpPr>
+          <p:spPr bwMode="auto">
+            <a:xfrm>
+              <a:off x="1256" y="3505"/>
+              <a:ext cx="113" cy="286"/>
+            </a:xfrm>
+            <a:custGeom>
+              <a:avLst/>
+              <a:gdLst>
+                <a:gd name="T0" fmla="*/ 0 w 3607"/>
+                <a:gd name="T1" fmla="*/ 0 h 10475"/>
+                <a:gd name="T2" fmla="*/ 0 w 3607"/>
+                <a:gd name="T3" fmla="*/ 0 h 10475"/>
+                <a:gd name="T4" fmla="*/ 0 w 3607"/>
+                <a:gd name="T5" fmla="*/ 0 h 10475"/>
+                <a:gd name="T6" fmla="*/ 0 w 3607"/>
+                <a:gd name="T7" fmla="*/ 0 h 10475"/>
+                <a:gd name="T8" fmla="*/ 0 w 3607"/>
+                <a:gd name="T9" fmla="*/ 0 h 10475"/>
+                <a:gd name="T10" fmla="*/ 0 60000 65536"/>
+                <a:gd name="T11" fmla="*/ 0 60000 65536"/>
+                <a:gd name="T12" fmla="*/ 0 60000 65536"/>
+                <a:gd name="T13" fmla="*/ 0 60000 65536"/>
+                <a:gd name="T14" fmla="*/ 0 60000 65536"/>
+                <a:gd name="T15" fmla="*/ 0 w 3607"/>
+                <a:gd name="T16" fmla="*/ 0 h 10475"/>
+                <a:gd name="T17" fmla="*/ 3607 w 3607"/>
+                <a:gd name="T18" fmla="*/ 10475 h 10475"/>
+              </a:gdLst>
+              <a:ahLst/>
+              <a:cxnLst>
+                <a:cxn ang="T10">
+                  <a:pos x="T0" y="T1"/>
+                </a:cxn>
+                <a:cxn ang="T11">
+                  <a:pos x="T2" y="T3"/>
+                </a:cxn>
+                <a:cxn ang="T12">
+                  <a:pos x="T4" y="T5"/>
+                </a:cxn>
+                <a:cxn ang="T13">
+                  <a:pos x="T6" y="T7"/>
+                </a:cxn>
+                <a:cxn ang="T14">
+                  <a:pos x="T8" y="T9"/>
+                </a:cxn>
+              </a:cxnLst>
+              <a:rect l="T15" t="T16" r="T17" b="T18"/>
+              <a:pathLst>
+                <a:path w="3607" h="10475">
+                  <a:moveTo>
+                    <a:pt x="3607" y="10475"/>
+                  </a:moveTo>
+                  <a:cubicBezTo>
+                    <a:pt x="1937" y="10475"/>
+                    <a:pt x="2484" y="0"/>
+                    <a:pt x="825" y="0"/>
+                  </a:cubicBezTo>
+                  <a:cubicBezTo>
+                    <a:pt x="0" y="0"/>
+                    <a:pt x="0" y="0"/>
+                    <a:pt x="0" y="0"/>
+                  </a:cubicBezTo>
+                  <a:cubicBezTo>
+                    <a:pt x="1659" y="0"/>
+                    <a:pt x="1115" y="10475"/>
+                    <a:pt x="2782" y="10475"/>
+                  </a:cubicBezTo>
+                  <a:lnTo>
+                    <a:pt x="3607" y="10475"/>
+                  </a:lnTo>
+                  <a:close/>
+                </a:path>
+              </a:pathLst>
+            </a:custGeom>
+            <a:solidFill>
+              <a:schemeClr val="tx1">
+                <a:lumMod val="50000"/>
+                <a:lumOff val="50000"/>
+              </a:schemeClr>
+            </a:solidFill>
+            <a:ln>
+              <a:noFill/>
+            </a:ln>
+            <a:extLst>
+              <a:ext uri="{91240B29-F687-4f45-9708-019B960494DF}">
+                <a14:hiddenLine xmlns:a14="http://schemas.microsoft.com/office/drawing/2010/main" w="6350">
+                  <a:solidFill>
+                    <a:srgbClr val="3366FF"/>
+                  </a:solidFill>
+                  <a:round/>
+                  <a:headEnd/>
+                  <a:tailEnd/>
+                </a14:hiddenLine>
+              </a:ext>
+            </a:extLst>
+          </p:spPr>
+          <p:txBody>
+            <a:bodyPr/>
+            <a:lstStyle/>
+            <a:p>
+              <a:endParaRPr lang="en-US">
+                <a:solidFill>
+                  <a:schemeClr val="bg1">
+                    <a:lumMod val="65000"/>
+                  </a:schemeClr>
+                </a:solidFill>
+              </a:endParaRPr>
+            </a:p>
+          </p:txBody>
+        </p:sp>
+      </p:grpSp>
+      <p:grpSp>
+        <p:nvGrpSpPr>
+          <p:cNvPr id="426" name="Group 21"/>
+          <p:cNvGrpSpPr>
+            <a:grpSpLocks noChangeAspect="1"/>
+          </p:cNvGrpSpPr>
+          <p:nvPr/>
+        </p:nvGrpSpPr>
+        <p:grpSpPr bwMode="auto">
+          <a:xfrm flipV="1">
+            <a:off x="3749654" y="972049"/>
+            <a:ext cx="681346" cy="228701"/>
+            <a:chOff x="1169" y="3505"/>
+            <a:chExt cx="375" cy="287"/>
+          </a:xfrm>
+        </p:grpSpPr>
+        <p:sp>
+          <p:nvSpPr>
+            <p:cNvPr id="427" name="Freeform 10"/>
+            <p:cNvSpPr>
+              <a:spLocks noChangeAspect="1"/>
+            </p:cNvSpPr>
+            <p:nvPr/>
+          </p:nvSpPr>
+          <p:spPr bwMode="auto">
+            <a:xfrm>
+              <a:off x="1344" y="3505"/>
+              <a:ext cx="113" cy="287"/>
+            </a:xfrm>
+            <a:custGeom>
+              <a:avLst/>
+              <a:gdLst>
+                <a:gd name="T0" fmla="*/ 0 w 3615"/>
+                <a:gd name="T1" fmla="*/ 0 h 10500"/>
+                <a:gd name="T2" fmla="*/ 0 w 3615"/>
+                <a:gd name="T3" fmla="*/ 0 h 10500"/>
+                <a:gd name="T4" fmla="*/ 0 w 3615"/>
+                <a:gd name="T5" fmla="*/ 0 h 10500"/>
+                <a:gd name="T6" fmla="*/ 0 w 3615"/>
+                <a:gd name="T7" fmla="*/ 0 h 10500"/>
+                <a:gd name="T8" fmla="*/ 0 w 3615"/>
+                <a:gd name="T9" fmla="*/ 0 h 10500"/>
+                <a:gd name="T10" fmla="*/ 0 60000 65536"/>
+                <a:gd name="T11" fmla="*/ 0 60000 65536"/>
+                <a:gd name="T12" fmla="*/ 0 60000 65536"/>
+                <a:gd name="T13" fmla="*/ 0 60000 65536"/>
+                <a:gd name="T14" fmla="*/ 0 60000 65536"/>
+                <a:gd name="T15" fmla="*/ 0 w 3615"/>
+                <a:gd name="T16" fmla="*/ 0 h 10500"/>
+                <a:gd name="T17" fmla="*/ 3615 w 3615"/>
+                <a:gd name="T18" fmla="*/ 10500 h 10500"/>
+              </a:gdLst>
+              <a:ahLst/>
+              <a:cxnLst>
+                <a:cxn ang="T10">
+                  <a:pos x="T0" y="T1"/>
+                </a:cxn>
+                <a:cxn ang="T11">
+                  <a:pos x="T2" y="T3"/>
+                </a:cxn>
+                <a:cxn ang="T12">
+                  <a:pos x="T4" y="T5"/>
+                </a:cxn>
+                <a:cxn ang="T13">
+                  <a:pos x="T6" y="T7"/>
+                </a:cxn>
+                <a:cxn ang="T14">
+                  <a:pos x="T8" y="T9"/>
+                </a:cxn>
+              </a:cxnLst>
+              <a:rect l="T15" t="T16" r="T17" b="T18"/>
+              <a:pathLst>
+                <a:path w="3615" h="10500">
+                  <a:moveTo>
+                    <a:pt x="3615" y="0"/>
+                  </a:moveTo>
+                  <a:cubicBezTo>
+                    <a:pt x="1941" y="0"/>
+                    <a:pt x="2489" y="10500"/>
+                    <a:pt x="827" y="10500"/>
+                  </a:cubicBezTo>
+                  <a:cubicBezTo>
+                    <a:pt x="0" y="10500"/>
+                    <a:pt x="0" y="10500"/>
+                    <a:pt x="0" y="10500"/>
+                  </a:cubicBezTo>
+                  <a:cubicBezTo>
+                    <a:pt x="1662" y="10500"/>
+                    <a:pt x="1117" y="0"/>
+                    <a:pt x="2788" y="0"/>
+                  </a:cubicBezTo>
+                  <a:lnTo>
+                    <a:pt x="3615" y="0"/>
+                  </a:lnTo>
+                  <a:close/>
+                </a:path>
+              </a:pathLst>
+            </a:custGeom>
+            <a:solidFill>
+              <a:schemeClr val="tx1">
+                <a:lumMod val="50000"/>
+                <a:lumOff val="50000"/>
+              </a:schemeClr>
+            </a:solidFill>
+            <a:ln>
+              <a:noFill/>
+            </a:ln>
+            <a:extLst>
+              <a:ext uri="{91240B29-F687-4f45-9708-019B960494DF}">
+                <a14:hiddenLine xmlns:a14="http://schemas.microsoft.com/office/drawing/2010/main" w="6350">
+                  <a:solidFill>
+                    <a:srgbClr val="3366FF"/>
+                  </a:solidFill>
+                  <a:round/>
+                  <a:headEnd/>
+                  <a:tailEnd/>
+                </a14:hiddenLine>
+              </a:ext>
+            </a:extLst>
+          </p:spPr>
+          <p:txBody>
+            <a:bodyPr/>
+            <a:lstStyle/>
+            <a:p>
+              <a:endParaRPr lang="en-US"/>
+            </a:p>
+          </p:txBody>
+        </p:sp>
+        <p:sp>
+          <p:nvSpPr>
+            <p:cNvPr id="428" name="Freeform 9"/>
+            <p:cNvSpPr>
+              <a:spLocks noChangeAspect="1"/>
+            </p:cNvSpPr>
+            <p:nvPr/>
+          </p:nvSpPr>
+          <p:spPr bwMode="auto">
+            <a:xfrm>
+              <a:off x="1430" y="3505"/>
+              <a:ext cx="114" cy="287"/>
+            </a:xfrm>
+            <a:custGeom>
+              <a:avLst/>
+              <a:gdLst>
+                <a:gd name="T0" fmla="*/ 0 w 3615"/>
+                <a:gd name="T1" fmla="*/ 0 h 10475"/>
+                <a:gd name="T2" fmla="*/ 0 w 3615"/>
+                <a:gd name="T3" fmla="*/ 0 h 10475"/>
+                <a:gd name="T4" fmla="*/ 0 w 3615"/>
+                <a:gd name="T5" fmla="*/ 0 h 10475"/>
+                <a:gd name="T6" fmla="*/ 0 w 3615"/>
+                <a:gd name="T7" fmla="*/ 0 h 10475"/>
+                <a:gd name="T8" fmla="*/ 0 w 3615"/>
+                <a:gd name="T9" fmla="*/ 0 h 10475"/>
+                <a:gd name="T10" fmla="*/ 0 60000 65536"/>
+                <a:gd name="T11" fmla="*/ 0 60000 65536"/>
+                <a:gd name="T12" fmla="*/ 0 60000 65536"/>
+                <a:gd name="T13" fmla="*/ 0 60000 65536"/>
+                <a:gd name="T14" fmla="*/ 0 60000 65536"/>
+                <a:gd name="T15" fmla="*/ 0 w 3615"/>
+                <a:gd name="T16" fmla="*/ 0 h 10475"/>
+                <a:gd name="T17" fmla="*/ 3615 w 3615"/>
+                <a:gd name="T18" fmla="*/ 10475 h 10475"/>
+              </a:gdLst>
+              <a:ahLst/>
+              <a:cxnLst>
+                <a:cxn ang="T10">
+                  <a:pos x="T0" y="T1"/>
+                </a:cxn>
+                <a:cxn ang="T11">
+                  <a:pos x="T2" y="T3"/>
+                </a:cxn>
+                <a:cxn ang="T12">
+                  <a:pos x="T4" y="T5"/>
+                </a:cxn>
+                <a:cxn ang="T13">
+                  <a:pos x="T6" y="T7"/>
+                </a:cxn>
+                <a:cxn ang="T14">
+                  <a:pos x="T8" y="T9"/>
+                </a:cxn>
+              </a:cxnLst>
+              <a:rect l="T15" t="T16" r="T17" b="T18"/>
+              <a:pathLst>
+                <a:path w="3615" h="10475">
+                  <a:moveTo>
+                    <a:pt x="3615" y="0"/>
+                  </a:moveTo>
+                  <a:cubicBezTo>
+                    <a:pt x="1942" y="0"/>
+                    <a:pt x="2489" y="10475"/>
+                    <a:pt x="827" y="10475"/>
+                  </a:cubicBezTo>
+                  <a:cubicBezTo>
+                    <a:pt x="0" y="10475"/>
+                    <a:pt x="0" y="10475"/>
+                    <a:pt x="0" y="10475"/>
+                  </a:cubicBezTo>
+                  <a:cubicBezTo>
+                    <a:pt x="1662" y="10475"/>
+                    <a:pt x="1118" y="0"/>
+                    <a:pt x="2788" y="0"/>
+                  </a:cubicBezTo>
+                  <a:lnTo>
+                    <a:pt x="3615" y="0"/>
+                  </a:lnTo>
+                  <a:close/>
+                </a:path>
+              </a:pathLst>
+            </a:custGeom>
+            <a:solidFill>
+              <a:schemeClr val="bg1">
+                <a:lumMod val="65000"/>
+              </a:schemeClr>
+            </a:solidFill>
+            <a:ln>
+              <a:noFill/>
+            </a:ln>
+            <a:extLst>
+              <a:ext uri="{91240B29-F687-4f45-9708-019B960494DF}">
+                <a14:hiddenLine xmlns:a14="http://schemas.microsoft.com/office/drawing/2010/main" w="6350">
+                  <a:solidFill>
+                    <a:srgbClr val="FF6600"/>
+                  </a:solidFill>
+                  <a:round/>
+                  <a:headEnd/>
+                  <a:tailEnd/>
+                </a14:hiddenLine>
+              </a:ext>
+            </a:extLst>
+          </p:spPr>
+          <p:txBody>
+            <a:bodyPr/>
+            <a:lstStyle/>
+            <a:p>
+              <a:endParaRPr lang="en-US">
+                <a:solidFill>
+                  <a:schemeClr val="bg1">
+                    <a:lumMod val="65000"/>
+                  </a:schemeClr>
+                </a:solidFill>
+              </a:endParaRPr>
+            </a:p>
+          </p:txBody>
+        </p:sp>
+        <p:sp>
+          <p:nvSpPr>
+            <p:cNvPr id="429" name="Freeform 10"/>
+            <p:cNvSpPr>
+              <a:spLocks noChangeAspect="1"/>
+            </p:cNvSpPr>
+            <p:nvPr/>
+          </p:nvSpPr>
+          <p:spPr bwMode="auto">
+            <a:xfrm>
+              <a:off x="1169" y="3505"/>
+              <a:ext cx="114" cy="287"/>
+            </a:xfrm>
+            <a:custGeom>
+              <a:avLst/>
+              <a:gdLst>
+                <a:gd name="T0" fmla="*/ 0 w 3615"/>
+                <a:gd name="T1" fmla="*/ 0 h 10500"/>
+                <a:gd name="T2" fmla="*/ 0 w 3615"/>
+                <a:gd name="T3" fmla="*/ 0 h 10500"/>
+                <a:gd name="T4" fmla="*/ 0 w 3615"/>
+                <a:gd name="T5" fmla="*/ 0 h 10500"/>
+                <a:gd name="T6" fmla="*/ 0 w 3615"/>
+                <a:gd name="T7" fmla="*/ 0 h 10500"/>
+                <a:gd name="T8" fmla="*/ 0 w 3615"/>
+                <a:gd name="T9" fmla="*/ 0 h 10500"/>
+                <a:gd name="T10" fmla="*/ 0 60000 65536"/>
+                <a:gd name="T11" fmla="*/ 0 60000 65536"/>
+                <a:gd name="T12" fmla="*/ 0 60000 65536"/>
+                <a:gd name="T13" fmla="*/ 0 60000 65536"/>
+                <a:gd name="T14" fmla="*/ 0 60000 65536"/>
+                <a:gd name="T15" fmla="*/ 0 w 3615"/>
+                <a:gd name="T16" fmla="*/ 0 h 10500"/>
+                <a:gd name="T17" fmla="*/ 3615 w 3615"/>
+                <a:gd name="T18" fmla="*/ 10500 h 10500"/>
+              </a:gdLst>
+              <a:ahLst/>
+              <a:cxnLst>
+                <a:cxn ang="T10">
+                  <a:pos x="T0" y="T1"/>
+                </a:cxn>
+                <a:cxn ang="T11">
+                  <a:pos x="T2" y="T3"/>
+                </a:cxn>
+                <a:cxn ang="T12">
+                  <a:pos x="T4" y="T5"/>
+                </a:cxn>
+                <a:cxn ang="T13">
+                  <a:pos x="T6" y="T7"/>
+                </a:cxn>
+                <a:cxn ang="T14">
+                  <a:pos x="T8" y="T9"/>
+                </a:cxn>
+              </a:cxnLst>
+              <a:rect l="T15" t="T16" r="T17" b="T18"/>
+              <a:pathLst>
+                <a:path w="3615" h="10500">
+                  <a:moveTo>
+                    <a:pt x="3615" y="0"/>
+                  </a:moveTo>
+                  <a:cubicBezTo>
+                    <a:pt x="1941" y="0"/>
+                    <a:pt x="2489" y="10500"/>
+                    <a:pt x="827" y="10500"/>
+                  </a:cubicBezTo>
+                  <a:cubicBezTo>
+                    <a:pt x="0" y="10500"/>
+                    <a:pt x="0" y="10500"/>
+                    <a:pt x="0" y="10500"/>
+                  </a:cubicBezTo>
+                  <a:cubicBezTo>
+                    <a:pt x="1662" y="10500"/>
+                    <a:pt x="1117" y="0"/>
+                    <a:pt x="2788" y="0"/>
+                  </a:cubicBezTo>
+                  <a:lnTo>
+                    <a:pt x="3615" y="0"/>
+                  </a:lnTo>
+                  <a:close/>
+                </a:path>
+              </a:pathLst>
+            </a:custGeom>
+            <a:solidFill>
+              <a:schemeClr val="tx1">
+                <a:lumMod val="50000"/>
+                <a:lumOff val="50000"/>
+              </a:schemeClr>
+            </a:solidFill>
+            <a:ln>
+              <a:noFill/>
+            </a:ln>
+            <a:extLst>
+              <a:ext uri="{91240B29-F687-4f45-9708-019B960494DF}">
+                <a14:hiddenLine xmlns:a14="http://schemas.microsoft.com/office/drawing/2010/main" w="6350">
+                  <a:solidFill>
+                    <a:srgbClr val="3366FF"/>
+                  </a:solidFill>
+                  <a:round/>
+                  <a:headEnd/>
+                  <a:tailEnd/>
+                </a14:hiddenLine>
+              </a:ext>
+            </a:extLst>
+          </p:spPr>
+          <p:txBody>
+            <a:bodyPr/>
+            <a:lstStyle/>
+            <a:p>
+              <a:endParaRPr lang="en-US"/>
+            </a:p>
+          </p:txBody>
+        </p:sp>
+        <p:sp>
+          <p:nvSpPr>
+            <p:cNvPr id="430" name="Freeform 9"/>
+            <p:cNvSpPr>
+              <a:spLocks noChangeAspect="1"/>
+            </p:cNvSpPr>
+            <p:nvPr/>
+          </p:nvSpPr>
+          <p:spPr bwMode="auto">
+            <a:xfrm>
+              <a:off x="1256" y="3505"/>
+              <a:ext cx="113" cy="287"/>
+            </a:xfrm>
+            <a:custGeom>
+              <a:avLst/>
+              <a:gdLst>
+                <a:gd name="T0" fmla="*/ 0 w 3615"/>
+                <a:gd name="T1" fmla="*/ 0 h 10475"/>
+                <a:gd name="T2" fmla="*/ 0 w 3615"/>
+                <a:gd name="T3" fmla="*/ 0 h 10475"/>
+                <a:gd name="T4" fmla="*/ 0 w 3615"/>
+                <a:gd name="T5" fmla="*/ 0 h 10475"/>
+                <a:gd name="T6" fmla="*/ 0 w 3615"/>
+                <a:gd name="T7" fmla="*/ 0 h 10475"/>
+                <a:gd name="T8" fmla="*/ 0 w 3615"/>
+                <a:gd name="T9" fmla="*/ 0 h 10475"/>
+                <a:gd name="T10" fmla="*/ 0 60000 65536"/>
+                <a:gd name="T11" fmla="*/ 0 60000 65536"/>
+                <a:gd name="T12" fmla="*/ 0 60000 65536"/>
+                <a:gd name="T13" fmla="*/ 0 60000 65536"/>
+                <a:gd name="T14" fmla="*/ 0 60000 65536"/>
+                <a:gd name="T15" fmla="*/ 0 w 3615"/>
+                <a:gd name="T16" fmla="*/ 0 h 10475"/>
+                <a:gd name="T17" fmla="*/ 3615 w 3615"/>
+                <a:gd name="T18" fmla="*/ 10475 h 10475"/>
+              </a:gdLst>
+              <a:ahLst/>
+              <a:cxnLst>
+                <a:cxn ang="T10">
+                  <a:pos x="T0" y="T1"/>
+                </a:cxn>
+                <a:cxn ang="T11">
+                  <a:pos x="T2" y="T3"/>
+                </a:cxn>
+                <a:cxn ang="T12">
+                  <a:pos x="T4" y="T5"/>
+                </a:cxn>
+                <a:cxn ang="T13">
+                  <a:pos x="T6" y="T7"/>
+                </a:cxn>
+                <a:cxn ang="T14">
+                  <a:pos x="T8" y="T9"/>
+                </a:cxn>
+              </a:cxnLst>
+              <a:rect l="T15" t="T16" r="T17" b="T18"/>
+              <a:pathLst>
+                <a:path w="3615" h="10475">
+                  <a:moveTo>
+                    <a:pt x="3615" y="0"/>
+                  </a:moveTo>
+                  <a:cubicBezTo>
+                    <a:pt x="1942" y="0"/>
+                    <a:pt x="2489" y="10475"/>
+                    <a:pt x="827" y="10475"/>
+                  </a:cubicBezTo>
+                  <a:cubicBezTo>
+                    <a:pt x="0" y="10475"/>
+                    <a:pt x="0" y="10475"/>
+                    <a:pt x="0" y="10475"/>
+                  </a:cubicBezTo>
+                  <a:cubicBezTo>
+                    <a:pt x="1662" y="10475"/>
+                    <a:pt x="1118" y="0"/>
+                    <a:pt x="2788" y="0"/>
+                  </a:cubicBezTo>
+                  <a:lnTo>
+                    <a:pt x="3615" y="0"/>
+                  </a:lnTo>
+                  <a:close/>
+                </a:path>
+              </a:pathLst>
+            </a:custGeom>
+            <a:solidFill>
+              <a:schemeClr val="bg1">
+                <a:lumMod val="65000"/>
+              </a:schemeClr>
+            </a:solidFill>
+            <a:ln>
+              <a:noFill/>
+            </a:ln>
+            <a:extLst>
+              <a:ext uri="{91240B29-F687-4f45-9708-019B960494DF}">
+                <a14:hiddenLine xmlns:a14="http://schemas.microsoft.com/office/drawing/2010/main" w="6350">
+                  <a:solidFill>
+                    <a:srgbClr val="FF6600"/>
+                  </a:solidFill>
+                  <a:round/>
+                  <a:headEnd/>
+                  <a:tailEnd/>
+                </a14:hiddenLine>
+              </a:ext>
+            </a:extLst>
+          </p:spPr>
+          <p:txBody>
+            <a:bodyPr/>
+            <a:lstStyle/>
+            <a:p>
+              <a:endParaRPr lang="en-US"/>
+            </a:p>
+          </p:txBody>
+        </p:sp>
+        <p:sp>
+          <p:nvSpPr>
+            <p:cNvPr id="431" name="Freeform 8"/>
+            <p:cNvSpPr>
+              <a:spLocks noChangeAspect="1"/>
+            </p:cNvSpPr>
+            <p:nvPr/>
+          </p:nvSpPr>
+          <p:spPr bwMode="auto">
+            <a:xfrm>
+              <a:off x="1169" y="3505"/>
+              <a:ext cx="114" cy="287"/>
+            </a:xfrm>
+            <a:custGeom>
+              <a:avLst/>
+              <a:gdLst>
+                <a:gd name="T0" fmla="*/ 0 w 3607"/>
+                <a:gd name="T1" fmla="*/ 0 h 10500"/>
+                <a:gd name="T2" fmla="*/ 0 w 3607"/>
+                <a:gd name="T3" fmla="*/ 0 h 10500"/>
+                <a:gd name="T4" fmla="*/ 0 w 3607"/>
+                <a:gd name="T5" fmla="*/ 0 h 10500"/>
+                <a:gd name="T6" fmla="*/ 0 w 3607"/>
+                <a:gd name="T7" fmla="*/ 0 h 10500"/>
+                <a:gd name="T8" fmla="*/ 0 w 3607"/>
+                <a:gd name="T9" fmla="*/ 0 h 10500"/>
+                <a:gd name="T10" fmla="*/ 0 60000 65536"/>
+                <a:gd name="T11" fmla="*/ 0 60000 65536"/>
+                <a:gd name="T12" fmla="*/ 0 60000 65536"/>
+                <a:gd name="T13" fmla="*/ 0 60000 65536"/>
+                <a:gd name="T14" fmla="*/ 0 60000 65536"/>
+                <a:gd name="T15" fmla="*/ 0 w 3607"/>
+                <a:gd name="T16" fmla="*/ 0 h 10500"/>
+                <a:gd name="T17" fmla="*/ 3607 w 3607"/>
+                <a:gd name="T18" fmla="*/ 10500 h 10500"/>
+              </a:gdLst>
+              <a:ahLst/>
+              <a:cxnLst>
+                <a:cxn ang="T10">
+                  <a:pos x="T0" y="T1"/>
+                </a:cxn>
+                <a:cxn ang="T11">
+                  <a:pos x="T2" y="T3"/>
+                </a:cxn>
+                <a:cxn ang="T12">
+                  <a:pos x="T4" y="T5"/>
+                </a:cxn>
+                <a:cxn ang="T13">
+                  <a:pos x="T6" y="T7"/>
+                </a:cxn>
+                <a:cxn ang="T14">
+                  <a:pos x="T8" y="T9"/>
+                </a:cxn>
+              </a:cxnLst>
+              <a:rect l="T15" t="T16" r="T17" b="T18"/>
+              <a:pathLst>
+                <a:path w="3607" h="10500">
+                  <a:moveTo>
+                    <a:pt x="3607" y="10500"/>
+                  </a:moveTo>
+                  <a:cubicBezTo>
+                    <a:pt x="1937" y="10500"/>
+                    <a:pt x="2484" y="0"/>
+                    <a:pt x="825" y="0"/>
+                  </a:cubicBezTo>
+                  <a:cubicBezTo>
+                    <a:pt x="0" y="0"/>
+                    <a:pt x="0" y="0"/>
+                    <a:pt x="0" y="0"/>
+                  </a:cubicBezTo>
+                  <a:cubicBezTo>
+                    <a:pt x="1659" y="0"/>
+                    <a:pt x="1115" y="10500"/>
+                    <a:pt x="2782" y="10500"/>
+                  </a:cubicBezTo>
+                  <a:lnTo>
+                    <a:pt x="3607" y="10500"/>
+                  </a:lnTo>
+                  <a:close/>
+                </a:path>
+              </a:pathLst>
+            </a:custGeom>
+            <a:solidFill>
+              <a:schemeClr val="bg1">
+                <a:lumMod val="65000"/>
+              </a:schemeClr>
+            </a:solidFill>
+            <a:ln>
+              <a:noFill/>
+            </a:ln>
+            <a:extLst>
+              <a:ext uri="{91240B29-F687-4f45-9708-019B960494DF}">
+                <a14:hiddenLine xmlns:a14="http://schemas.microsoft.com/office/drawing/2010/main" w="6350">
+                  <a:solidFill>
+                    <a:srgbClr val="FF6600"/>
+                  </a:solidFill>
+                  <a:round/>
+                  <a:headEnd/>
+                  <a:tailEnd/>
+                </a14:hiddenLine>
+              </a:ext>
+            </a:extLst>
+          </p:spPr>
+          <p:txBody>
+            <a:bodyPr/>
+            <a:lstStyle/>
+            <a:p>
+              <a:endParaRPr lang="en-US">
+                <a:solidFill>
+                  <a:schemeClr val="bg1">
+                    <a:lumMod val="65000"/>
+                  </a:schemeClr>
+                </a:solidFill>
+              </a:endParaRPr>
+            </a:p>
+          </p:txBody>
+        </p:sp>
+        <p:sp>
+          <p:nvSpPr>
+            <p:cNvPr id="432" name="Freeform 8"/>
+            <p:cNvSpPr>
+              <a:spLocks noChangeAspect="1"/>
+            </p:cNvSpPr>
+            <p:nvPr/>
+          </p:nvSpPr>
+          <p:spPr bwMode="auto">
+            <a:xfrm>
+              <a:off x="1344" y="3505"/>
+              <a:ext cx="113" cy="287"/>
+            </a:xfrm>
+            <a:custGeom>
+              <a:avLst/>
+              <a:gdLst>
+                <a:gd name="T0" fmla="*/ 0 w 3607"/>
+                <a:gd name="T1" fmla="*/ 0 h 10500"/>
+                <a:gd name="T2" fmla="*/ 0 w 3607"/>
+                <a:gd name="T3" fmla="*/ 0 h 10500"/>
+                <a:gd name="T4" fmla="*/ 0 w 3607"/>
+                <a:gd name="T5" fmla="*/ 0 h 10500"/>
+                <a:gd name="T6" fmla="*/ 0 w 3607"/>
+                <a:gd name="T7" fmla="*/ 0 h 10500"/>
+                <a:gd name="T8" fmla="*/ 0 w 3607"/>
+                <a:gd name="T9" fmla="*/ 0 h 10500"/>
+                <a:gd name="T10" fmla="*/ 0 60000 65536"/>
+                <a:gd name="T11" fmla="*/ 0 60000 65536"/>
+                <a:gd name="T12" fmla="*/ 0 60000 65536"/>
+                <a:gd name="T13" fmla="*/ 0 60000 65536"/>
+                <a:gd name="T14" fmla="*/ 0 60000 65536"/>
+                <a:gd name="T15" fmla="*/ 0 w 3607"/>
+                <a:gd name="T16" fmla="*/ 0 h 10500"/>
+                <a:gd name="T17" fmla="*/ 3607 w 3607"/>
+                <a:gd name="T18" fmla="*/ 10500 h 10500"/>
+              </a:gdLst>
+              <a:ahLst/>
+              <a:cxnLst>
+                <a:cxn ang="T10">
+                  <a:pos x="T0" y="T1"/>
+                </a:cxn>
+                <a:cxn ang="T11">
+                  <a:pos x="T2" y="T3"/>
+                </a:cxn>
+                <a:cxn ang="T12">
+                  <a:pos x="T4" y="T5"/>
+                </a:cxn>
+                <a:cxn ang="T13">
+                  <a:pos x="T6" y="T7"/>
+                </a:cxn>
+                <a:cxn ang="T14">
+                  <a:pos x="T8" y="T9"/>
+                </a:cxn>
+              </a:cxnLst>
+              <a:rect l="T15" t="T16" r="T17" b="T18"/>
+              <a:pathLst>
+                <a:path w="3607" h="10500">
+                  <a:moveTo>
+                    <a:pt x="3607" y="10500"/>
+                  </a:moveTo>
+                  <a:cubicBezTo>
+                    <a:pt x="1937" y="10500"/>
+                    <a:pt x="2484" y="0"/>
+                    <a:pt x="825" y="0"/>
+                  </a:cubicBezTo>
+                  <a:cubicBezTo>
+                    <a:pt x="0" y="0"/>
+                    <a:pt x="0" y="0"/>
+                    <a:pt x="0" y="0"/>
+                  </a:cubicBezTo>
+                  <a:cubicBezTo>
+                    <a:pt x="1659" y="0"/>
+                    <a:pt x="1115" y="10500"/>
+                    <a:pt x="2782" y="10500"/>
+                  </a:cubicBezTo>
+                  <a:lnTo>
+                    <a:pt x="3607" y="10500"/>
+                  </a:lnTo>
+                  <a:close/>
+                </a:path>
+              </a:pathLst>
+            </a:custGeom>
+            <a:solidFill>
+              <a:schemeClr val="bg1">
+                <a:lumMod val="65000"/>
+              </a:schemeClr>
+            </a:solidFill>
+            <a:ln>
+              <a:noFill/>
+            </a:ln>
+            <a:extLst>
+              <a:ext uri="{91240B29-F687-4f45-9708-019B960494DF}">
+                <a14:hiddenLine xmlns:a14="http://schemas.microsoft.com/office/drawing/2010/main" w="6350">
+                  <a:solidFill>
+                    <a:srgbClr val="FF6600"/>
+                  </a:solidFill>
+                  <a:round/>
+                  <a:headEnd/>
+                  <a:tailEnd/>
+                </a14:hiddenLine>
+              </a:ext>
+            </a:extLst>
+          </p:spPr>
+          <p:txBody>
+            <a:bodyPr/>
+            <a:lstStyle/>
+            <a:p>
+              <a:endParaRPr lang="en-US">
+                <a:solidFill>
+                  <a:schemeClr val="bg1">
+                    <a:lumMod val="65000"/>
+                  </a:schemeClr>
+                </a:solidFill>
+              </a:endParaRPr>
+            </a:p>
+          </p:txBody>
+        </p:sp>
+        <p:sp>
+          <p:nvSpPr>
+            <p:cNvPr id="433" name="Freeform 7"/>
+            <p:cNvSpPr>
+              <a:spLocks noChangeAspect="1"/>
+            </p:cNvSpPr>
+            <p:nvPr/>
+          </p:nvSpPr>
+          <p:spPr bwMode="auto">
+            <a:xfrm>
+              <a:off x="1430" y="3505"/>
+              <a:ext cx="114" cy="286"/>
+            </a:xfrm>
+            <a:custGeom>
+              <a:avLst/>
+              <a:gdLst>
+                <a:gd name="T0" fmla="*/ 0 w 3607"/>
+                <a:gd name="T1" fmla="*/ 0 h 10475"/>
+                <a:gd name="T2" fmla="*/ 0 w 3607"/>
+                <a:gd name="T3" fmla="*/ 0 h 10475"/>
+                <a:gd name="T4" fmla="*/ 0 w 3607"/>
+                <a:gd name="T5" fmla="*/ 0 h 10475"/>
+                <a:gd name="T6" fmla="*/ 0 w 3607"/>
+                <a:gd name="T7" fmla="*/ 0 h 10475"/>
+                <a:gd name="T8" fmla="*/ 0 w 3607"/>
+                <a:gd name="T9" fmla="*/ 0 h 10475"/>
+                <a:gd name="T10" fmla="*/ 0 60000 65536"/>
+                <a:gd name="T11" fmla="*/ 0 60000 65536"/>
+                <a:gd name="T12" fmla="*/ 0 60000 65536"/>
+                <a:gd name="T13" fmla="*/ 0 60000 65536"/>
+                <a:gd name="T14" fmla="*/ 0 60000 65536"/>
+                <a:gd name="T15" fmla="*/ 0 w 3607"/>
+                <a:gd name="T16" fmla="*/ 0 h 10475"/>
+                <a:gd name="T17" fmla="*/ 3607 w 3607"/>
+                <a:gd name="T18" fmla="*/ 10475 h 10475"/>
+              </a:gdLst>
+              <a:ahLst/>
+              <a:cxnLst>
+                <a:cxn ang="T10">
+                  <a:pos x="T0" y="T1"/>
+                </a:cxn>
+                <a:cxn ang="T11">
+                  <a:pos x="T2" y="T3"/>
+                </a:cxn>
+                <a:cxn ang="T12">
+                  <a:pos x="T4" y="T5"/>
+                </a:cxn>
+                <a:cxn ang="T13">
+                  <a:pos x="T6" y="T7"/>
+                </a:cxn>
+                <a:cxn ang="T14">
+                  <a:pos x="T8" y="T9"/>
+                </a:cxn>
+              </a:cxnLst>
+              <a:rect l="T15" t="T16" r="T17" b="T18"/>
+              <a:pathLst>
+                <a:path w="3607" h="10475">
+                  <a:moveTo>
+                    <a:pt x="3607" y="10475"/>
+                  </a:moveTo>
+                  <a:cubicBezTo>
+                    <a:pt x="1937" y="10475"/>
+                    <a:pt x="2484" y="0"/>
+                    <a:pt x="825" y="0"/>
+                  </a:cubicBezTo>
+                  <a:cubicBezTo>
+                    <a:pt x="0" y="0"/>
+                    <a:pt x="0" y="0"/>
+                    <a:pt x="0" y="0"/>
+                  </a:cubicBezTo>
+                  <a:cubicBezTo>
+                    <a:pt x="1659" y="0"/>
+                    <a:pt x="1115" y="10475"/>
+                    <a:pt x="2782" y="10475"/>
+                  </a:cubicBezTo>
+                  <a:lnTo>
+                    <a:pt x="3607" y="10475"/>
+                  </a:lnTo>
+                  <a:close/>
+                </a:path>
+              </a:pathLst>
+            </a:custGeom>
+            <a:solidFill>
+              <a:schemeClr val="tx1">
+                <a:lumMod val="50000"/>
+                <a:lumOff val="50000"/>
+              </a:schemeClr>
+            </a:solidFill>
+            <a:ln>
+              <a:noFill/>
+            </a:ln>
+            <a:extLst>
+              <a:ext uri="{91240B29-F687-4f45-9708-019B960494DF}">
+                <a14:hiddenLine xmlns:a14="http://schemas.microsoft.com/office/drawing/2010/main" w="6350">
+                  <a:solidFill>
+                    <a:srgbClr val="3366FF"/>
+                  </a:solidFill>
+                  <a:round/>
+                  <a:headEnd/>
+                  <a:tailEnd/>
+                </a14:hiddenLine>
+              </a:ext>
+            </a:extLst>
+          </p:spPr>
+          <p:txBody>
+            <a:bodyPr/>
+            <a:lstStyle/>
+            <a:p>
+              <a:endParaRPr lang="en-US"/>
+            </a:p>
+          </p:txBody>
+        </p:sp>
+        <p:sp>
+          <p:nvSpPr>
+            <p:cNvPr id="434" name="Freeform 7"/>
+            <p:cNvSpPr>
+              <a:spLocks noChangeAspect="1"/>
+            </p:cNvSpPr>
+            <p:nvPr/>
+          </p:nvSpPr>
+          <p:spPr bwMode="auto">
+            <a:xfrm>
+              <a:off x="1256" y="3505"/>
+              <a:ext cx="113" cy="286"/>
+            </a:xfrm>
+            <a:custGeom>
+              <a:avLst/>
+              <a:gdLst>
+                <a:gd name="T0" fmla="*/ 0 w 3607"/>
+                <a:gd name="T1" fmla="*/ 0 h 10475"/>
+                <a:gd name="T2" fmla="*/ 0 w 3607"/>
+                <a:gd name="T3" fmla="*/ 0 h 10475"/>
+                <a:gd name="T4" fmla="*/ 0 w 3607"/>
+                <a:gd name="T5" fmla="*/ 0 h 10475"/>
+                <a:gd name="T6" fmla="*/ 0 w 3607"/>
+                <a:gd name="T7" fmla="*/ 0 h 10475"/>
+                <a:gd name="T8" fmla="*/ 0 w 3607"/>
+                <a:gd name="T9" fmla="*/ 0 h 10475"/>
+                <a:gd name="T10" fmla="*/ 0 60000 65536"/>
+                <a:gd name="T11" fmla="*/ 0 60000 65536"/>
+                <a:gd name="T12" fmla="*/ 0 60000 65536"/>
+                <a:gd name="T13" fmla="*/ 0 60000 65536"/>
+                <a:gd name="T14" fmla="*/ 0 60000 65536"/>
+                <a:gd name="T15" fmla="*/ 0 w 3607"/>
+                <a:gd name="T16" fmla="*/ 0 h 10475"/>
+                <a:gd name="T17" fmla="*/ 3607 w 3607"/>
+                <a:gd name="T18" fmla="*/ 10475 h 10475"/>
+              </a:gdLst>
+              <a:ahLst/>
+              <a:cxnLst>
+                <a:cxn ang="T10">
+                  <a:pos x="T0" y="T1"/>
+                </a:cxn>
+                <a:cxn ang="T11">
+                  <a:pos x="T2" y="T3"/>
+                </a:cxn>
+                <a:cxn ang="T12">
+                  <a:pos x="T4" y="T5"/>
+                </a:cxn>
+                <a:cxn ang="T13">
+                  <a:pos x="T6" y="T7"/>
+                </a:cxn>
+                <a:cxn ang="T14">
+                  <a:pos x="T8" y="T9"/>
+                </a:cxn>
+              </a:cxnLst>
+              <a:rect l="T15" t="T16" r="T17" b="T18"/>
+              <a:pathLst>
+                <a:path w="3607" h="10475">
+                  <a:moveTo>
+                    <a:pt x="3607" y="10475"/>
+                  </a:moveTo>
+                  <a:cubicBezTo>
+                    <a:pt x="1937" y="10475"/>
+                    <a:pt x="2484" y="0"/>
+                    <a:pt x="825" y="0"/>
+                  </a:cubicBezTo>
+                  <a:cubicBezTo>
+                    <a:pt x="0" y="0"/>
+                    <a:pt x="0" y="0"/>
+                    <a:pt x="0" y="0"/>
+                  </a:cubicBezTo>
+                  <a:cubicBezTo>
+                    <a:pt x="1659" y="0"/>
+                    <a:pt x="1115" y="10475"/>
+                    <a:pt x="2782" y="10475"/>
+                  </a:cubicBezTo>
+                  <a:lnTo>
+                    <a:pt x="3607" y="10475"/>
+                  </a:lnTo>
+                  <a:close/>
+                </a:path>
+              </a:pathLst>
+            </a:custGeom>
+            <a:solidFill>
+              <a:schemeClr val="tx1">
+                <a:lumMod val="50000"/>
+                <a:lumOff val="50000"/>
+              </a:schemeClr>
+            </a:solidFill>
+            <a:ln>
+              <a:noFill/>
+            </a:ln>
+            <a:extLst>
+              <a:ext uri="{91240B29-F687-4f45-9708-019B960494DF}">
+                <a14:hiddenLine xmlns:a14="http://schemas.microsoft.com/office/drawing/2010/main" w="6350">
+                  <a:solidFill>
+                    <a:srgbClr val="3366FF"/>
+                  </a:solidFill>
+                  <a:round/>
+                  <a:headEnd/>
+                  <a:tailEnd/>
+                </a14:hiddenLine>
+              </a:ext>
+            </a:extLst>
+          </p:spPr>
+          <p:txBody>
+            <a:bodyPr/>
+            <a:lstStyle/>
+            <a:p>
+              <a:endParaRPr lang="en-US">
+                <a:solidFill>
+                  <a:schemeClr val="bg1">
+                    <a:lumMod val="65000"/>
+                  </a:schemeClr>
+                </a:solidFill>
+              </a:endParaRPr>
+            </a:p>
+          </p:txBody>
+        </p:sp>
+      </p:grpSp>
+      <p:grpSp>
+        <p:nvGrpSpPr>
+          <p:cNvPr id="435" name="Group 21"/>
+          <p:cNvGrpSpPr>
+            <a:grpSpLocks noChangeAspect="1"/>
+          </p:cNvGrpSpPr>
+          <p:nvPr/>
+        </p:nvGrpSpPr>
+        <p:grpSpPr bwMode="auto">
+          <a:xfrm flipV="1">
+            <a:off x="4995012" y="972241"/>
+            <a:ext cx="681346" cy="228701"/>
+            <a:chOff x="1169" y="3505"/>
+            <a:chExt cx="375" cy="287"/>
+          </a:xfrm>
+        </p:grpSpPr>
+        <p:sp>
+          <p:nvSpPr>
+            <p:cNvPr id="436" name="Freeform 10"/>
+            <p:cNvSpPr>
+              <a:spLocks noChangeAspect="1"/>
+            </p:cNvSpPr>
+            <p:nvPr/>
+          </p:nvSpPr>
+          <p:spPr bwMode="auto">
+            <a:xfrm>
+              <a:off x="1344" y="3505"/>
+              <a:ext cx="113" cy="287"/>
+            </a:xfrm>
+            <a:custGeom>
+              <a:avLst/>
+              <a:gdLst>
+                <a:gd name="T0" fmla="*/ 0 w 3615"/>
+                <a:gd name="T1" fmla="*/ 0 h 10500"/>
+                <a:gd name="T2" fmla="*/ 0 w 3615"/>
+                <a:gd name="T3" fmla="*/ 0 h 10500"/>
+                <a:gd name="T4" fmla="*/ 0 w 3615"/>
+                <a:gd name="T5" fmla="*/ 0 h 10500"/>
+                <a:gd name="T6" fmla="*/ 0 w 3615"/>
+                <a:gd name="T7" fmla="*/ 0 h 10500"/>
+                <a:gd name="T8" fmla="*/ 0 w 3615"/>
+                <a:gd name="T9" fmla="*/ 0 h 10500"/>
+                <a:gd name="T10" fmla="*/ 0 60000 65536"/>
+                <a:gd name="T11" fmla="*/ 0 60000 65536"/>
+                <a:gd name="T12" fmla="*/ 0 60000 65536"/>
+                <a:gd name="T13" fmla="*/ 0 60000 65536"/>
+                <a:gd name="T14" fmla="*/ 0 60000 65536"/>
+                <a:gd name="T15" fmla="*/ 0 w 3615"/>
+                <a:gd name="T16" fmla="*/ 0 h 10500"/>
+                <a:gd name="T17" fmla="*/ 3615 w 3615"/>
+                <a:gd name="T18" fmla="*/ 10500 h 10500"/>
+              </a:gdLst>
+              <a:ahLst/>
+              <a:cxnLst>
+                <a:cxn ang="T10">
+                  <a:pos x="T0" y="T1"/>
+                </a:cxn>
+                <a:cxn ang="T11">
+                  <a:pos x="T2" y="T3"/>
+                </a:cxn>
+                <a:cxn ang="T12">
+                  <a:pos x="T4" y="T5"/>
+                </a:cxn>
+                <a:cxn ang="T13">
+                  <a:pos x="T6" y="T7"/>
+                </a:cxn>
+                <a:cxn ang="T14">
+                  <a:pos x="T8" y="T9"/>
+                </a:cxn>
+              </a:cxnLst>
+              <a:rect l="T15" t="T16" r="T17" b="T18"/>
+              <a:pathLst>
+                <a:path w="3615" h="10500">
+                  <a:moveTo>
+                    <a:pt x="3615" y="0"/>
+                  </a:moveTo>
+                  <a:cubicBezTo>
+                    <a:pt x="1941" y="0"/>
+                    <a:pt x="2489" y="10500"/>
+                    <a:pt x="827" y="10500"/>
+                  </a:cubicBezTo>
+                  <a:cubicBezTo>
+                    <a:pt x="0" y="10500"/>
+                    <a:pt x="0" y="10500"/>
+                    <a:pt x="0" y="10500"/>
+                  </a:cubicBezTo>
+                  <a:cubicBezTo>
+                    <a:pt x="1662" y="10500"/>
+                    <a:pt x="1117" y="0"/>
+                    <a:pt x="2788" y="0"/>
+                  </a:cubicBezTo>
+                  <a:lnTo>
+                    <a:pt x="3615" y="0"/>
+                  </a:lnTo>
+                  <a:close/>
+                </a:path>
+              </a:pathLst>
+            </a:custGeom>
+            <a:solidFill>
+              <a:schemeClr val="tx1">
+                <a:lumMod val="50000"/>
+                <a:lumOff val="50000"/>
+              </a:schemeClr>
+            </a:solidFill>
+            <a:ln>
+              <a:noFill/>
+            </a:ln>
+            <a:extLst>
+              <a:ext uri="{91240B29-F687-4f45-9708-019B960494DF}">
+                <a14:hiddenLine xmlns:a14="http://schemas.microsoft.com/office/drawing/2010/main" w="6350">
+                  <a:solidFill>
+                    <a:srgbClr val="3366FF"/>
+                  </a:solidFill>
+                  <a:round/>
+                  <a:headEnd/>
+                  <a:tailEnd/>
+                </a14:hiddenLine>
+              </a:ext>
+            </a:extLst>
+          </p:spPr>
+          <p:txBody>
+            <a:bodyPr/>
+            <a:lstStyle/>
+            <a:p>
+              <a:endParaRPr lang="en-US"/>
+            </a:p>
+          </p:txBody>
+        </p:sp>
+        <p:sp>
+          <p:nvSpPr>
+            <p:cNvPr id="437" name="Freeform 9"/>
+            <p:cNvSpPr>
+              <a:spLocks noChangeAspect="1"/>
+            </p:cNvSpPr>
+            <p:nvPr/>
+          </p:nvSpPr>
+          <p:spPr bwMode="auto">
+            <a:xfrm>
+              <a:off x="1430" y="3505"/>
+              <a:ext cx="114" cy="287"/>
+            </a:xfrm>
+            <a:custGeom>
+              <a:avLst/>
+              <a:gdLst>
+                <a:gd name="T0" fmla="*/ 0 w 3615"/>
+                <a:gd name="T1" fmla="*/ 0 h 10475"/>
+                <a:gd name="T2" fmla="*/ 0 w 3615"/>
+                <a:gd name="T3" fmla="*/ 0 h 10475"/>
+                <a:gd name="T4" fmla="*/ 0 w 3615"/>
+                <a:gd name="T5" fmla="*/ 0 h 10475"/>
+                <a:gd name="T6" fmla="*/ 0 w 3615"/>
+                <a:gd name="T7" fmla="*/ 0 h 10475"/>
+                <a:gd name="T8" fmla="*/ 0 w 3615"/>
+                <a:gd name="T9" fmla="*/ 0 h 10475"/>
+                <a:gd name="T10" fmla="*/ 0 60000 65536"/>
+                <a:gd name="T11" fmla="*/ 0 60000 65536"/>
+                <a:gd name="T12" fmla="*/ 0 60000 65536"/>
+                <a:gd name="T13" fmla="*/ 0 60000 65536"/>
+                <a:gd name="T14" fmla="*/ 0 60000 65536"/>
+                <a:gd name="T15" fmla="*/ 0 w 3615"/>
+                <a:gd name="T16" fmla="*/ 0 h 10475"/>
+                <a:gd name="T17" fmla="*/ 3615 w 3615"/>
+                <a:gd name="T18" fmla="*/ 10475 h 10475"/>
+              </a:gdLst>
+              <a:ahLst/>
+              <a:cxnLst>
+                <a:cxn ang="T10">
+                  <a:pos x="T0" y="T1"/>
+                </a:cxn>
+                <a:cxn ang="T11">
+                  <a:pos x="T2" y="T3"/>
+                </a:cxn>
+                <a:cxn ang="T12">
+                  <a:pos x="T4" y="T5"/>
+                </a:cxn>
+                <a:cxn ang="T13">
+                  <a:pos x="T6" y="T7"/>
+                </a:cxn>
+                <a:cxn ang="T14">
+                  <a:pos x="T8" y="T9"/>
+                </a:cxn>
+              </a:cxnLst>
+              <a:rect l="T15" t="T16" r="T17" b="T18"/>
+              <a:pathLst>
+                <a:path w="3615" h="10475">
+                  <a:moveTo>
+                    <a:pt x="3615" y="0"/>
+                  </a:moveTo>
+                  <a:cubicBezTo>
+                    <a:pt x="1942" y="0"/>
+                    <a:pt x="2489" y="10475"/>
+                    <a:pt x="827" y="10475"/>
+                  </a:cubicBezTo>
+                  <a:cubicBezTo>
+                    <a:pt x="0" y="10475"/>
+                    <a:pt x="0" y="10475"/>
+                    <a:pt x="0" y="10475"/>
+                  </a:cubicBezTo>
+                  <a:cubicBezTo>
+                    <a:pt x="1662" y="10475"/>
+                    <a:pt x="1118" y="0"/>
+                    <a:pt x="2788" y="0"/>
+                  </a:cubicBezTo>
+                  <a:lnTo>
+                    <a:pt x="3615" y="0"/>
+                  </a:lnTo>
+                  <a:close/>
+                </a:path>
+              </a:pathLst>
+            </a:custGeom>
+            <a:solidFill>
+              <a:schemeClr val="bg1">
+                <a:lumMod val="65000"/>
+              </a:schemeClr>
+            </a:solidFill>
+            <a:ln>
+              <a:noFill/>
+            </a:ln>
+            <a:extLst>
+              <a:ext uri="{91240B29-F687-4f45-9708-019B960494DF}">
+                <a14:hiddenLine xmlns:a14="http://schemas.microsoft.com/office/drawing/2010/main" w="6350">
+                  <a:solidFill>
+                    <a:srgbClr val="FF6600"/>
+                  </a:solidFill>
+                  <a:round/>
+                  <a:headEnd/>
+                  <a:tailEnd/>
+                </a14:hiddenLine>
+              </a:ext>
+            </a:extLst>
+          </p:spPr>
+          <p:txBody>
+            <a:bodyPr/>
+            <a:lstStyle/>
+            <a:p>
+              <a:endParaRPr lang="en-US">
+                <a:solidFill>
+                  <a:schemeClr val="bg1">
+                    <a:lumMod val="65000"/>
+                  </a:schemeClr>
+                </a:solidFill>
+              </a:endParaRPr>
+            </a:p>
+          </p:txBody>
+        </p:sp>
+        <p:sp>
+          <p:nvSpPr>
+            <p:cNvPr id="438" name="Freeform 10"/>
+            <p:cNvSpPr>
+              <a:spLocks noChangeAspect="1"/>
+            </p:cNvSpPr>
+            <p:nvPr/>
+          </p:nvSpPr>
+          <p:spPr bwMode="auto">
+            <a:xfrm>
+              <a:off x="1169" y="3505"/>
+              <a:ext cx="114" cy="287"/>
+            </a:xfrm>
+            <a:custGeom>
+              <a:avLst/>
+              <a:gdLst>
+                <a:gd name="T0" fmla="*/ 0 w 3615"/>
+                <a:gd name="T1" fmla="*/ 0 h 10500"/>
+                <a:gd name="T2" fmla="*/ 0 w 3615"/>
+                <a:gd name="T3" fmla="*/ 0 h 10500"/>
+                <a:gd name="T4" fmla="*/ 0 w 3615"/>
+                <a:gd name="T5" fmla="*/ 0 h 10500"/>
+                <a:gd name="T6" fmla="*/ 0 w 3615"/>
+                <a:gd name="T7" fmla="*/ 0 h 10500"/>
+                <a:gd name="T8" fmla="*/ 0 w 3615"/>
+                <a:gd name="T9" fmla="*/ 0 h 10500"/>
+                <a:gd name="T10" fmla="*/ 0 60000 65536"/>
+                <a:gd name="T11" fmla="*/ 0 60000 65536"/>
+                <a:gd name="T12" fmla="*/ 0 60000 65536"/>
+                <a:gd name="T13" fmla="*/ 0 60000 65536"/>
+                <a:gd name="T14" fmla="*/ 0 60000 65536"/>
+                <a:gd name="T15" fmla="*/ 0 w 3615"/>
+                <a:gd name="T16" fmla="*/ 0 h 10500"/>
+                <a:gd name="T17" fmla="*/ 3615 w 3615"/>
+                <a:gd name="T18" fmla="*/ 10500 h 10500"/>
+              </a:gdLst>
+              <a:ahLst/>
+              <a:cxnLst>
+                <a:cxn ang="T10">
+                  <a:pos x="T0" y="T1"/>
+                </a:cxn>
+                <a:cxn ang="T11">
+                  <a:pos x="T2" y="T3"/>
+                </a:cxn>
+                <a:cxn ang="T12">
+                  <a:pos x="T4" y="T5"/>
+                </a:cxn>
+                <a:cxn ang="T13">
+                  <a:pos x="T6" y="T7"/>
+                </a:cxn>
+                <a:cxn ang="T14">
+                  <a:pos x="T8" y="T9"/>
+                </a:cxn>
+              </a:cxnLst>
+              <a:rect l="T15" t="T16" r="T17" b="T18"/>
+              <a:pathLst>
+                <a:path w="3615" h="10500">
+                  <a:moveTo>
+                    <a:pt x="3615" y="0"/>
+                  </a:moveTo>
+                  <a:cubicBezTo>
+                    <a:pt x="1941" y="0"/>
+                    <a:pt x="2489" y="10500"/>
+                    <a:pt x="827" y="10500"/>
+                  </a:cubicBezTo>
+                  <a:cubicBezTo>
+                    <a:pt x="0" y="10500"/>
+                    <a:pt x="0" y="10500"/>
+                    <a:pt x="0" y="10500"/>
+                  </a:cubicBezTo>
+                  <a:cubicBezTo>
+                    <a:pt x="1662" y="10500"/>
+                    <a:pt x="1117" y="0"/>
+                    <a:pt x="2788" y="0"/>
+                  </a:cubicBezTo>
+                  <a:lnTo>
+                    <a:pt x="3615" y="0"/>
+                  </a:lnTo>
+                  <a:close/>
+                </a:path>
+              </a:pathLst>
+            </a:custGeom>
+            <a:solidFill>
+              <a:schemeClr val="tx1">
+                <a:lumMod val="50000"/>
+                <a:lumOff val="50000"/>
+              </a:schemeClr>
+            </a:solidFill>
+            <a:ln>
+              <a:noFill/>
+            </a:ln>
+            <a:extLst>
+              <a:ext uri="{91240B29-F687-4f45-9708-019B960494DF}">
+                <a14:hiddenLine xmlns:a14="http://schemas.microsoft.com/office/drawing/2010/main" w="6350">
+                  <a:solidFill>
+                    <a:srgbClr val="3366FF"/>
+                  </a:solidFill>
+                  <a:round/>
+                  <a:headEnd/>
+                  <a:tailEnd/>
+                </a14:hiddenLine>
+              </a:ext>
+            </a:extLst>
+          </p:spPr>
+          <p:txBody>
+            <a:bodyPr/>
+            <a:lstStyle/>
+            <a:p>
+              <a:endParaRPr lang="en-US"/>
+            </a:p>
+          </p:txBody>
+        </p:sp>
+        <p:sp>
+          <p:nvSpPr>
+            <p:cNvPr id="439" name="Freeform 9"/>
+            <p:cNvSpPr>
+              <a:spLocks noChangeAspect="1"/>
+            </p:cNvSpPr>
+            <p:nvPr/>
+          </p:nvSpPr>
+          <p:spPr bwMode="auto">
+            <a:xfrm>
+              <a:off x="1256" y="3505"/>
+              <a:ext cx="113" cy="287"/>
+            </a:xfrm>
+            <a:custGeom>
+              <a:avLst/>
+              <a:gdLst>
+                <a:gd name="T0" fmla="*/ 0 w 3615"/>
+                <a:gd name="T1" fmla="*/ 0 h 10475"/>
+                <a:gd name="T2" fmla="*/ 0 w 3615"/>
+                <a:gd name="T3" fmla="*/ 0 h 10475"/>
+                <a:gd name="T4" fmla="*/ 0 w 3615"/>
+                <a:gd name="T5" fmla="*/ 0 h 10475"/>
+                <a:gd name="T6" fmla="*/ 0 w 3615"/>
+                <a:gd name="T7" fmla="*/ 0 h 10475"/>
+                <a:gd name="T8" fmla="*/ 0 w 3615"/>
+                <a:gd name="T9" fmla="*/ 0 h 10475"/>
+                <a:gd name="T10" fmla="*/ 0 60000 65536"/>
+                <a:gd name="T11" fmla="*/ 0 60000 65536"/>
+                <a:gd name="T12" fmla="*/ 0 60000 65536"/>
+                <a:gd name="T13" fmla="*/ 0 60000 65536"/>
+                <a:gd name="T14" fmla="*/ 0 60000 65536"/>
+                <a:gd name="T15" fmla="*/ 0 w 3615"/>
+                <a:gd name="T16" fmla="*/ 0 h 10475"/>
+                <a:gd name="T17" fmla="*/ 3615 w 3615"/>
+                <a:gd name="T18" fmla="*/ 10475 h 10475"/>
+              </a:gdLst>
+              <a:ahLst/>
+              <a:cxnLst>
+                <a:cxn ang="T10">
+                  <a:pos x="T0" y="T1"/>
+                </a:cxn>
+                <a:cxn ang="T11">
+                  <a:pos x="T2" y="T3"/>
+                </a:cxn>
+                <a:cxn ang="T12">
+                  <a:pos x="T4" y="T5"/>
+                </a:cxn>
+                <a:cxn ang="T13">
+                  <a:pos x="T6" y="T7"/>
+                </a:cxn>
+                <a:cxn ang="T14">
+                  <a:pos x="T8" y="T9"/>
+                </a:cxn>
+              </a:cxnLst>
+              <a:rect l="T15" t="T16" r="T17" b="T18"/>
+              <a:pathLst>
+                <a:path w="3615" h="10475">
+                  <a:moveTo>
+                    <a:pt x="3615" y="0"/>
+                  </a:moveTo>
+                  <a:cubicBezTo>
+                    <a:pt x="1942" y="0"/>
+                    <a:pt x="2489" y="10475"/>
+                    <a:pt x="827" y="10475"/>
+                  </a:cubicBezTo>
+                  <a:cubicBezTo>
+                    <a:pt x="0" y="10475"/>
+                    <a:pt x="0" y="10475"/>
+                    <a:pt x="0" y="10475"/>
+                  </a:cubicBezTo>
+                  <a:cubicBezTo>
+                    <a:pt x="1662" y="10475"/>
+                    <a:pt x="1118" y="0"/>
+                    <a:pt x="2788" y="0"/>
+                  </a:cubicBezTo>
+                  <a:lnTo>
+                    <a:pt x="3615" y="0"/>
+                  </a:lnTo>
+                  <a:close/>
+                </a:path>
+              </a:pathLst>
+            </a:custGeom>
+            <a:solidFill>
+              <a:schemeClr val="bg1">
+                <a:lumMod val="65000"/>
+              </a:schemeClr>
+            </a:solidFill>
+            <a:ln>
+              <a:noFill/>
+            </a:ln>
+            <a:extLst>
+              <a:ext uri="{91240B29-F687-4f45-9708-019B960494DF}">
+                <a14:hiddenLine xmlns:a14="http://schemas.microsoft.com/office/drawing/2010/main" w="6350">
+                  <a:solidFill>
+                    <a:srgbClr val="FF6600"/>
+                  </a:solidFill>
+                  <a:round/>
+                  <a:headEnd/>
+                  <a:tailEnd/>
+                </a14:hiddenLine>
+              </a:ext>
+            </a:extLst>
+          </p:spPr>
+          <p:txBody>
+            <a:bodyPr/>
+            <a:lstStyle/>
+            <a:p>
+              <a:endParaRPr lang="en-US"/>
+            </a:p>
+          </p:txBody>
+        </p:sp>
+        <p:sp>
+          <p:nvSpPr>
+            <p:cNvPr id="440" name="Freeform 8"/>
+            <p:cNvSpPr>
+              <a:spLocks noChangeAspect="1"/>
+            </p:cNvSpPr>
+            <p:nvPr/>
+          </p:nvSpPr>
+          <p:spPr bwMode="auto">
+            <a:xfrm>
+              <a:off x="1169" y="3505"/>
+              <a:ext cx="114" cy="287"/>
+            </a:xfrm>
+            <a:custGeom>
+              <a:avLst/>
+              <a:gdLst>
+                <a:gd name="T0" fmla="*/ 0 w 3607"/>
+                <a:gd name="T1" fmla="*/ 0 h 10500"/>
+                <a:gd name="T2" fmla="*/ 0 w 3607"/>
+                <a:gd name="T3" fmla="*/ 0 h 10500"/>
+                <a:gd name="T4" fmla="*/ 0 w 3607"/>
+                <a:gd name="T5" fmla="*/ 0 h 10500"/>
+                <a:gd name="T6" fmla="*/ 0 w 3607"/>
+                <a:gd name="T7" fmla="*/ 0 h 10500"/>
+                <a:gd name="T8" fmla="*/ 0 w 3607"/>
+                <a:gd name="T9" fmla="*/ 0 h 10500"/>
+                <a:gd name="T10" fmla="*/ 0 60000 65536"/>
+                <a:gd name="T11" fmla="*/ 0 60000 65536"/>
+                <a:gd name="T12" fmla="*/ 0 60000 65536"/>
+                <a:gd name="T13" fmla="*/ 0 60000 65536"/>
+                <a:gd name="T14" fmla="*/ 0 60000 65536"/>
+                <a:gd name="T15" fmla="*/ 0 w 3607"/>
+                <a:gd name="T16" fmla="*/ 0 h 10500"/>
+                <a:gd name="T17" fmla="*/ 3607 w 3607"/>
+                <a:gd name="T18" fmla="*/ 10500 h 10500"/>
+              </a:gdLst>
+              <a:ahLst/>
+              <a:cxnLst>
+                <a:cxn ang="T10">
+                  <a:pos x="T0" y="T1"/>
+                </a:cxn>
+                <a:cxn ang="T11">
+                  <a:pos x="T2" y="T3"/>
+                </a:cxn>
+                <a:cxn ang="T12">
+                  <a:pos x="T4" y="T5"/>
+                </a:cxn>
+                <a:cxn ang="T13">
+                  <a:pos x="T6" y="T7"/>
+                </a:cxn>
+                <a:cxn ang="T14">
+                  <a:pos x="T8" y="T9"/>
+                </a:cxn>
+              </a:cxnLst>
+              <a:rect l="T15" t="T16" r="T17" b="T18"/>
+              <a:pathLst>
+                <a:path w="3607" h="10500">
+                  <a:moveTo>
+                    <a:pt x="3607" y="10500"/>
+                  </a:moveTo>
+                  <a:cubicBezTo>
+                    <a:pt x="1937" y="10500"/>
+                    <a:pt x="2484" y="0"/>
+                    <a:pt x="825" y="0"/>
+                  </a:cubicBezTo>
+                  <a:cubicBezTo>
+                    <a:pt x="0" y="0"/>
+                    <a:pt x="0" y="0"/>
+                    <a:pt x="0" y="0"/>
+                  </a:cubicBezTo>
+                  <a:cubicBezTo>
+                    <a:pt x="1659" y="0"/>
+                    <a:pt x="1115" y="10500"/>
+                    <a:pt x="2782" y="10500"/>
+                  </a:cubicBezTo>
+                  <a:lnTo>
+                    <a:pt x="3607" y="10500"/>
+                  </a:lnTo>
+                  <a:close/>
+                </a:path>
+              </a:pathLst>
+            </a:custGeom>
+            <a:solidFill>
+              <a:schemeClr val="bg1">
+                <a:lumMod val="65000"/>
+              </a:schemeClr>
+            </a:solidFill>
+            <a:ln>
+              <a:noFill/>
+            </a:ln>
+            <a:extLst>
+              <a:ext uri="{91240B29-F687-4f45-9708-019B960494DF}">
+                <a14:hiddenLine xmlns:a14="http://schemas.microsoft.com/office/drawing/2010/main" w="6350">
+                  <a:solidFill>
+                    <a:srgbClr val="FF6600"/>
+                  </a:solidFill>
+                  <a:round/>
+                  <a:headEnd/>
+                  <a:tailEnd/>
+                </a14:hiddenLine>
+              </a:ext>
+            </a:extLst>
+          </p:spPr>
+          <p:txBody>
+            <a:bodyPr/>
+            <a:lstStyle/>
+            <a:p>
+              <a:endParaRPr lang="en-US">
+                <a:solidFill>
+                  <a:schemeClr val="bg1">
+                    <a:lumMod val="65000"/>
+                  </a:schemeClr>
+                </a:solidFill>
+              </a:endParaRPr>
+            </a:p>
+          </p:txBody>
+        </p:sp>
+        <p:sp>
+          <p:nvSpPr>
+            <p:cNvPr id="441" name="Freeform 8"/>
+            <p:cNvSpPr>
+              <a:spLocks noChangeAspect="1"/>
+            </p:cNvSpPr>
+            <p:nvPr/>
+          </p:nvSpPr>
+          <p:spPr bwMode="auto">
+            <a:xfrm>
+              <a:off x="1344" y="3505"/>
+              <a:ext cx="113" cy="287"/>
+            </a:xfrm>
+            <a:custGeom>
+              <a:avLst/>
+              <a:gdLst>
+                <a:gd name="T0" fmla="*/ 0 w 3607"/>
+                <a:gd name="T1" fmla="*/ 0 h 10500"/>
+                <a:gd name="T2" fmla="*/ 0 w 3607"/>
+                <a:gd name="T3" fmla="*/ 0 h 10500"/>
+                <a:gd name="T4" fmla="*/ 0 w 3607"/>
+                <a:gd name="T5" fmla="*/ 0 h 10500"/>
+                <a:gd name="T6" fmla="*/ 0 w 3607"/>
+                <a:gd name="T7" fmla="*/ 0 h 10500"/>
+                <a:gd name="T8" fmla="*/ 0 w 3607"/>
+                <a:gd name="T9" fmla="*/ 0 h 10500"/>
+                <a:gd name="T10" fmla="*/ 0 60000 65536"/>
+                <a:gd name="T11" fmla="*/ 0 60000 65536"/>
+                <a:gd name="T12" fmla="*/ 0 60000 65536"/>
+                <a:gd name="T13" fmla="*/ 0 60000 65536"/>
+                <a:gd name="T14" fmla="*/ 0 60000 65536"/>
+                <a:gd name="T15" fmla="*/ 0 w 3607"/>
+                <a:gd name="T16" fmla="*/ 0 h 10500"/>
+                <a:gd name="T17" fmla="*/ 3607 w 3607"/>
+                <a:gd name="T18" fmla="*/ 10500 h 10500"/>
+              </a:gdLst>
+              <a:ahLst/>
+              <a:cxnLst>
+                <a:cxn ang="T10">
+                  <a:pos x="T0" y="T1"/>
+                </a:cxn>
+                <a:cxn ang="T11">
+                  <a:pos x="T2" y="T3"/>
+                </a:cxn>
+                <a:cxn ang="T12">
+                  <a:pos x="T4" y="T5"/>
+                </a:cxn>
+                <a:cxn ang="T13">
+                  <a:pos x="T6" y="T7"/>
+                </a:cxn>
+                <a:cxn ang="T14">
+                  <a:pos x="T8" y="T9"/>
+                </a:cxn>
+              </a:cxnLst>
+              <a:rect l="T15" t="T16" r="T17" b="T18"/>
+              <a:pathLst>
+                <a:path w="3607" h="10500">
+                  <a:moveTo>
+                    <a:pt x="3607" y="10500"/>
+                  </a:moveTo>
+                  <a:cubicBezTo>
+                    <a:pt x="1937" y="10500"/>
+                    <a:pt x="2484" y="0"/>
+                    <a:pt x="825" y="0"/>
+                  </a:cubicBezTo>
+                  <a:cubicBezTo>
+                    <a:pt x="0" y="0"/>
+                    <a:pt x="0" y="0"/>
+                    <a:pt x="0" y="0"/>
+                  </a:cubicBezTo>
+                  <a:cubicBezTo>
+                    <a:pt x="1659" y="0"/>
+                    <a:pt x="1115" y="10500"/>
+                    <a:pt x="2782" y="10500"/>
+                  </a:cubicBezTo>
+                  <a:lnTo>
+                    <a:pt x="3607" y="10500"/>
+                  </a:lnTo>
+                  <a:close/>
+                </a:path>
+              </a:pathLst>
+            </a:custGeom>
+            <a:solidFill>
+              <a:schemeClr val="bg1">
+                <a:lumMod val="65000"/>
+              </a:schemeClr>
+            </a:solidFill>
+            <a:ln>
+              <a:noFill/>
+            </a:ln>
+            <a:extLst>
+              <a:ext uri="{91240B29-F687-4f45-9708-019B960494DF}">
+                <a14:hiddenLine xmlns:a14="http://schemas.microsoft.com/office/drawing/2010/main" w="6350">
+                  <a:solidFill>
+                    <a:srgbClr val="FF6600"/>
+                  </a:solidFill>
+                  <a:round/>
+                  <a:headEnd/>
+                  <a:tailEnd/>
+                </a14:hiddenLine>
+              </a:ext>
+            </a:extLst>
+          </p:spPr>
+          <p:txBody>
+            <a:bodyPr/>
+            <a:lstStyle/>
+            <a:p>
+              <a:endParaRPr lang="en-US">
+                <a:solidFill>
+                  <a:schemeClr val="bg1">
+                    <a:lumMod val="65000"/>
+                  </a:schemeClr>
+                </a:solidFill>
+              </a:endParaRPr>
+            </a:p>
+          </p:txBody>
+        </p:sp>
+        <p:sp>
+          <p:nvSpPr>
+            <p:cNvPr id="442" name="Freeform 7"/>
+            <p:cNvSpPr>
+              <a:spLocks noChangeAspect="1"/>
+            </p:cNvSpPr>
+            <p:nvPr/>
+          </p:nvSpPr>
+          <p:spPr bwMode="auto">
+            <a:xfrm>
+              <a:off x="1430" y="3505"/>
+              <a:ext cx="114" cy="286"/>
+            </a:xfrm>
+            <a:custGeom>
+              <a:avLst/>
+              <a:gdLst>
+                <a:gd name="T0" fmla="*/ 0 w 3607"/>
+                <a:gd name="T1" fmla="*/ 0 h 10475"/>
+                <a:gd name="T2" fmla="*/ 0 w 3607"/>
+                <a:gd name="T3" fmla="*/ 0 h 10475"/>
+                <a:gd name="T4" fmla="*/ 0 w 3607"/>
+                <a:gd name="T5" fmla="*/ 0 h 10475"/>
+                <a:gd name="T6" fmla="*/ 0 w 3607"/>
+                <a:gd name="T7" fmla="*/ 0 h 10475"/>
+                <a:gd name="T8" fmla="*/ 0 w 3607"/>
+                <a:gd name="T9" fmla="*/ 0 h 10475"/>
+                <a:gd name="T10" fmla="*/ 0 60000 65536"/>
+                <a:gd name="T11" fmla="*/ 0 60000 65536"/>
+                <a:gd name="T12" fmla="*/ 0 60000 65536"/>
+                <a:gd name="T13" fmla="*/ 0 60000 65536"/>
+                <a:gd name="T14" fmla="*/ 0 60000 65536"/>
+                <a:gd name="T15" fmla="*/ 0 w 3607"/>
+                <a:gd name="T16" fmla="*/ 0 h 10475"/>
+                <a:gd name="T17" fmla="*/ 3607 w 3607"/>
+                <a:gd name="T18" fmla="*/ 10475 h 10475"/>
+              </a:gdLst>
+              <a:ahLst/>
+              <a:cxnLst>
+                <a:cxn ang="T10">
+                  <a:pos x="T0" y="T1"/>
+                </a:cxn>
+                <a:cxn ang="T11">
+                  <a:pos x="T2" y="T3"/>
+                </a:cxn>
+                <a:cxn ang="T12">
+                  <a:pos x="T4" y="T5"/>
+                </a:cxn>
+                <a:cxn ang="T13">
+                  <a:pos x="T6" y="T7"/>
+                </a:cxn>
+                <a:cxn ang="T14">
+                  <a:pos x="T8" y="T9"/>
+                </a:cxn>
+              </a:cxnLst>
+              <a:rect l="T15" t="T16" r="T17" b="T18"/>
+              <a:pathLst>
+                <a:path w="3607" h="10475">
+                  <a:moveTo>
+                    <a:pt x="3607" y="10475"/>
+                  </a:moveTo>
+                  <a:cubicBezTo>
+                    <a:pt x="1937" y="10475"/>
+                    <a:pt x="2484" y="0"/>
+                    <a:pt x="825" y="0"/>
+                  </a:cubicBezTo>
+                  <a:cubicBezTo>
+                    <a:pt x="0" y="0"/>
+                    <a:pt x="0" y="0"/>
+                    <a:pt x="0" y="0"/>
+                  </a:cubicBezTo>
+                  <a:cubicBezTo>
+                    <a:pt x="1659" y="0"/>
+                    <a:pt x="1115" y="10475"/>
+                    <a:pt x="2782" y="10475"/>
+                  </a:cubicBezTo>
+                  <a:lnTo>
+                    <a:pt x="3607" y="10475"/>
+                  </a:lnTo>
+                  <a:close/>
+                </a:path>
+              </a:pathLst>
+            </a:custGeom>
+            <a:solidFill>
+              <a:schemeClr val="tx1">
+                <a:lumMod val="50000"/>
+                <a:lumOff val="50000"/>
+              </a:schemeClr>
+            </a:solidFill>
+            <a:ln>
+              <a:noFill/>
+            </a:ln>
+            <a:extLst>
+              <a:ext uri="{91240B29-F687-4f45-9708-019B960494DF}">
+                <a14:hiddenLine xmlns:a14="http://schemas.microsoft.com/office/drawing/2010/main" w="6350">
+                  <a:solidFill>
+                    <a:srgbClr val="3366FF"/>
+                  </a:solidFill>
+                  <a:round/>
+                  <a:headEnd/>
+                  <a:tailEnd/>
+                </a14:hiddenLine>
+              </a:ext>
+            </a:extLst>
+          </p:spPr>
+          <p:txBody>
+            <a:bodyPr/>
+            <a:lstStyle/>
+            <a:p>
+              <a:endParaRPr lang="en-US"/>
+            </a:p>
+          </p:txBody>
+        </p:sp>
+        <p:sp>
+          <p:nvSpPr>
+            <p:cNvPr id="443" name="Freeform 7"/>
+            <p:cNvSpPr>
+              <a:spLocks noChangeAspect="1"/>
+            </p:cNvSpPr>
+            <p:nvPr/>
+          </p:nvSpPr>
+          <p:spPr bwMode="auto">
+            <a:xfrm>
+              <a:off x="1256" y="3505"/>
+              <a:ext cx="113" cy="286"/>
+            </a:xfrm>
+            <a:custGeom>
+              <a:avLst/>
+              <a:gdLst>
+                <a:gd name="T0" fmla="*/ 0 w 3607"/>
+                <a:gd name="T1" fmla="*/ 0 h 10475"/>
+                <a:gd name="T2" fmla="*/ 0 w 3607"/>
+                <a:gd name="T3" fmla="*/ 0 h 10475"/>
+                <a:gd name="T4" fmla="*/ 0 w 3607"/>
+                <a:gd name="T5" fmla="*/ 0 h 10475"/>
+                <a:gd name="T6" fmla="*/ 0 w 3607"/>
+                <a:gd name="T7" fmla="*/ 0 h 10475"/>
+                <a:gd name="T8" fmla="*/ 0 w 3607"/>
+                <a:gd name="T9" fmla="*/ 0 h 10475"/>
+                <a:gd name="T10" fmla="*/ 0 60000 65536"/>
+                <a:gd name="T11" fmla="*/ 0 60000 65536"/>
+                <a:gd name="T12" fmla="*/ 0 60000 65536"/>
+                <a:gd name="T13" fmla="*/ 0 60000 65536"/>
+                <a:gd name="T14" fmla="*/ 0 60000 65536"/>
+                <a:gd name="T15" fmla="*/ 0 w 3607"/>
+                <a:gd name="T16" fmla="*/ 0 h 10475"/>
+                <a:gd name="T17" fmla="*/ 3607 w 3607"/>
+                <a:gd name="T18" fmla="*/ 10475 h 10475"/>
+              </a:gdLst>
+              <a:ahLst/>
+              <a:cxnLst>
+                <a:cxn ang="T10">
+                  <a:pos x="T0" y="T1"/>
+                </a:cxn>
+                <a:cxn ang="T11">
+                  <a:pos x="T2" y="T3"/>
+                </a:cxn>
+                <a:cxn ang="T12">
+                  <a:pos x="T4" y="T5"/>
+                </a:cxn>
+                <a:cxn ang="T13">
+                  <a:pos x="T6" y="T7"/>
+                </a:cxn>
+                <a:cxn ang="T14">
+                  <a:pos x="T8" y="T9"/>
+                </a:cxn>
+              </a:cxnLst>
+              <a:rect l="T15" t="T16" r="T17" b="T18"/>
+              <a:pathLst>
+                <a:path w="3607" h="10475">
+                  <a:moveTo>
+                    <a:pt x="3607" y="10475"/>
+                  </a:moveTo>
+                  <a:cubicBezTo>
+                    <a:pt x="1937" y="10475"/>
+                    <a:pt x="2484" y="0"/>
+                    <a:pt x="825" y="0"/>
+                  </a:cubicBezTo>
+                  <a:cubicBezTo>
+                    <a:pt x="0" y="0"/>
+                    <a:pt x="0" y="0"/>
+                    <a:pt x="0" y="0"/>
+                  </a:cubicBezTo>
+                  <a:cubicBezTo>
+                    <a:pt x="1659" y="0"/>
+                    <a:pt x="1115" y="10475"/>
+                    <a:pt x="2782" y="10475"/>
+                  </a:cubicBezTo>
+                  <a:lnTo>
+                    <a:pt x="3607" y="10475"/>
+                  </a:lnTo>
+                  <a:close/>
+                </a:path>
+              </a:pathLst>
+            </a:custGeom>
+            <a:solidFill>
+              <a:schemeClr val="tx1">
+                <a:lumMod val="50000"/>
+                <a:lumOff val="50000"/>
+              </a:schemeClr>
+            </a:solidFill>
+            <a:ln>
+              <a:noFill/>
+            </a:ln>
+            <a:extLst>
+              <a:ext uri="{91240B29-F687-4f45-9708-019B960494DF}">
+                <a14:hiddenLine xmlns:a14="http://schemas.microsoft.com/office/drawing/2010/main" w="6350">
+                  <a:solidFill>
+                    <a:srgbClr val="3366FF"/>
+                  </a:solidFill>
+                  <a:round/>
+                  <a:headEnd/>
+                  <a:tailEnd/>
+                </a14:hiddenLine>
+              </a:ext>
+            </a:extLst>
+          </p:spPr>
+          <p:txBody>
+            <a:bodyPr/>
+            <a:lstStyle/>
+            <a:p>
+              <a:endParaRPr lang="en-US">
+                <a:solidFill>
+                  <a:schemeClr val="bg1">
+                    <a:lumMod val="65000"/>
+                  </a:schemeClr>
+                </a:solidFill>
+              </a:endParaRPr>
+            </a:p>
+          </p:txBody>
+        </p:sp>
+      </p:grpSp>
+      <p:sp>
+        <p:nvSpPr>
+          <p:cNvPr id="444" name="TextBox 443"/>
+          <p:cNvSpPr txBox="1"/>
+          <p:nvPr/>
+        </p:nvSpPr>
+        <p:spPr>
+          <a:xfrm>
+            <a:off x="4117376" y="1261468"/>
+            <a:ext cx="1283086" cy="338550"/>
+          </a:xfrm>
+          <a:prstGeom prst="rect">
+            <a:avLst/>
+          </a:prstGeom>
+          <a:noFill/>
+        </p:spPr>
+        <p:txBody>
+          <a:bodyPr wrap="square" lIns="91436" tIns="45718" rIns="91436" bIns="45718" rtlCol="0">
+            <a:spAutoFit/>
+          </a:bodyPr>
+          <a:lstStyle/>
+          <a:p>
+            <a:pPr algn="ctr"/>
+            <a:r>
+              <a:rPr lang="en-US" sz="800" b="1" dirty="0" smtClean="0">
+                <a:solidFill>
+                  <a:schemeClr val="tx2"/>
+                </a:solidFill>
+                <a:latin typeface="Courier New"/>
+                <a:cs typeface="Courier New"/>
+              </a:rPr>
+              <a:t>Restriction Motif</a:t>
+            </a:r>
+          </a:p>
+          <a:p>
+            <a:pPr algn="ctr"/>
+            <a:r>
+              <a:rPr lang="en-US" sz="800" b="1" dirty="0" smtClean="0">
+                <a:solidFill>
+                  <a:schemeClr val="tx2"/>
+                </a:solidFill>
+                <a:latin typeface="Courier New"/>
+                <a:cs typeface="Courier New"/>
+              </a:rPr>
+              <a:t>Aware Modeling</a:t>
+            </a:r>
+            <a:endParaRPr lang="en-US" sz="800" b="1" dirty="0" smtClean="0">
+              <a:solidFill>
+                <a:schemeClr val="tx2"/>
+              </a:solidFill>
+              <a:latin typeface="Courier New"/>
+              <a:cs typeface="Courier New"/>
+            </a:endParaRPr>
+          </a:p>
+        </p:txBody>
+      </p:sp>
+      <p:cxnSp>
+        <p:nvCxnSpPr>
+          <p:cNvPr id="454" name="Straight Arrow Connector 453"/>
+          <p:cNvCxnSpPr/>
+          <p:nvPr/>
+        </p:nvCxnSpPr>
+        <p:spPr>
+          <a:xfrm flipV="1">
+            <a:off x="3923177" y="798645"/>
+            <a:ext cx="155810" cy="1"/>
+          </a:xfrm>
+          <a:prstGeom prst="straightConnector1">
+            <a:avLst/>
+          </a:prstGeom>
+          <a:ln w="19050">
+            <a:solidFill>
+              <a:schemeClr val="tx1"/>
+            </a:solidFill>
+            <a:tailEnd type="none" w="lg" len="med"/>
+          </a:ln>
+          <a:effectLst/>
+        </p:spPr>
+        <p:style>
+          <a:lnRef idx="2">
+            <a:schemeClr val="accent1"/>
+          </a:lnRef>
+          <a:fillRef idx="0">
+            <a:schemeClr val="accent1"/>
+          </a:fillRef>
+          <a:effectRef idx="1">
+            <a:schemeClr val="accent1"/>
+          </a:effectRef>
+          <a:fontRef idx="minor">
+            <a:schemeClr val="tx1"/>
+          </a:fontRef>
+        </p:style>
+      </p:cxnSp>
+      <p:cxnSp>
+        <p:nvCxnSpPr>
+          <p:cNvPr id="455" name="Straight Arrow Connector 454"/>
+          <p:cNvCxnSpPr/>
+          <p:nvPr/>
+        </p:nvCxnSpPr>
+        <p:spPr>
+          <a:xfrm flipV="1">
+            <a:off x="3986507" y="704516"/>
+            <a:ext cx="155810" cy="1"/>
+          </a:xfrm>
+          <a:prstGeom prst="straightConnector1">
+            <a:avLst/>
+          </a:prstGeom>
+          <a:ln w="19050">
+            <a:solidFill>
+              <a:schemeClr val="tx1"/>
+            </a:solidFill>
+            <a:tailEnd type="none" w="lg" len="med"/>
+          </a:ln>
+          <a:effectLst/>
+        </p:spPr>
+        <p:style>
+          <a:lnRef idx="2">
+            <a:schemeClr val="accent1"/>
+          </a:lnRef>
+          <a:fillRef idx="0">
+            <a:schemeClr val="accent1"/>
+          </a:fillRef>
+          <a:effectRef idx="1">
+            <a:schemeClr val="accent1"/>
+          </a:effectRef>
+          <a:fontRef idx="minor">
+            <a:schemeClr val="tx1"/>
+          </a:fontRef>
+        </p:style>
+      </p:cxnSp>
+      <p:cxnSp>
+        <p:nvCxnSpPr>
+          <p:cNvPr id="456" name="Straight Arrow Connector 455"/>
+          <p:cNvCxnSpPr/>
+          <p:nvPr/>
+        </p:nvCxnSpPr>
+        <p:spPr>
+          <a:xfrm flipV="1">
+            <a:off x="4131881" y="798646"/>
+            <a:ext cx="155810" cy="1"/>
+          </a:xfrm>
+          <a:prstGeom prst="straightConnector1">
+            <a:avLst/>
+          </a:prstGeom>
+          <a:ln w="19050">
+            <a:solidFill>
+              <a:schemeClr val="tx1"/>
+            </a:solidFill>
+            <a:tailEnd type="none" w="lg" len="med"/>
+          </a:ln>
+          <a:effectLst/>
+        </p:spPr>
+        <p:style>
+          <a:lnRef idx="2">
+            <a:schemeClr val="accent1"/>
+          </a:lnRef>
+          <a:fillRef idx="0">
+            <a:schemeClr val="accent1"/>
+          </a:fillRef>
+          <a:effectRef idx="1">
+            <a:schemeClr val="accent1"/>
+          </a:effectRef>
+          <a:fontRef idx="minor">
+            <a:schemeClr val="tx1"/>
+          </a:fontRef>
+        </p:style>
+      </p:cxnSp>
+      <p:cxnSp>
+        <p:nvCxnSpPr>
+          <p:cNvPr id="457" name="Straight Arrow Connector 456"/>
+          <p:cNvCxnSpPr/>
+          <p:nvPr/>
+        </p:nvCxnSpPr>
+        <p:spPr>
+          <a:xfrm flipV="1">
+            <a:off x="4225702" y="704516"/>
+            <a:ext cx="155810" cy="1"/>
+          </a:xfrm>
+          <a:prstGeom prst="straightConnector1">
+            <a:avLst/>
+          </a:prstGeom>
+          <a:ln w="19050">
+            <a:solidFill>
+              <a:schemeClr val="tx1"/>
+            </a:solidFill>
+            <a:tailEnd type="none" w="lg" len="med"/>
+          </a:ln>
+          <a:effectLst/>
+        </p:spPr>
+        <p:style>
+          <a:lnRef idx="2">
+            <a:schemeClr val="accent1"/>
+          </a:lnRef>
+          <a:fillRef idx="0">
+            <a:schemeClr val="accent1"/>
+          </a:fillRef>
+          <a:effectRef idx="1">
+            <a:schemeClr val="accent1"/>
+          </a:effectRef>
+          <a:fontRef idx="minor">
+            <a:schemeClr val="tx1"/>
+          </a:fontRef>
+        </p:style>
+      </p:cxnSp>
+      <p:cxnSp>
+        <p:nvCxnSpPr>
+          <p:cNvPr id="459" name="Straight Arrow Connector 458"/>
+          <p:cNvCxnSpPr/>
+          <p:nvPr/>
+        </p:nvCxnSpPr>
+        <p:spPr>
+          <a:xfrm flipV="1">
+            <a:off x="4777824" y="798648"/>
+            <a:ext cx="155810" cy="1"/>
+          </a:xfrm>
+          <a:prstGeom prst="straightConnector1">
+            <a:avLst/>
+          </a:prstGeom>
+          <a:ln w="19050">
+            <a:solidFill>
+              <a:schemeClr val="tx1"/>
+            </a:solidFill>
+            <a:tailEnd type="none" w="lg" len="med"/>
+          </a:ln>
+          <a:effectLst/>
+        </p:spPr>
+        <p:style>
+          <a:lnRef idx="2">
+            <a:schemeClr val="accent1"/>
+          </a:lnRef>
+          <a:fillRef idx="0">
+            <a:schemeClr val="accent1"/>
+          </a:fillRef>
+          <a:effectRef idx="1">
+            <a:schemeClr val="accent1"/>
+          </a:effectRef>
+          <a:fontRef idx="minor">
+            <a:schemeClr val="tx1"/>
+          </a:fontRef>
+        </p:style>
+      </p:cxnSp>
+      <p:cxnSp>
+        <p:nvCxnSpPr>
+          <p:cNvPr id="460" name="Straight Arrow Connector 459"/>
+          <p:cNvCxnSpPr/>
+          <p:nvPr/>
+        </p:nvCxnSpPr>
+        <p:spPr>
+          <a:xfrm flipV="1">
+            <a:off x="4855729" y="711448"/>
+            <a:ext cx="155810" cy="1"/>
+          </a:xfrm>
+          <a:prstGeom prst="straightConnector1">
+            <a:avLst/>
+          </a:prstGeom>
+          <a:ln w="19050">
+            <a:solidFill>
+              <a:schemeClr val="tx1"/>
+            </a:solidFill>
+            <a:tailEnd type="none" w="lg" len="med"/>
+          </a:ln>
+          <a:effectLst/>
+        </p:spPr>
+        <p:style>
+          <a:lnRef idx="2">
+            <a:schemeClr val="accent1"/>
+          </a:lnRef>
+          <a:fillRef idx="0">
+            <a:schemeClr val="accent1"/>
+          </a:fillRef>
+          <a:effectRef idx="1">
+            <a:schemeClr val="accent1"/>
+          </a:effectRef>
+          <a:fontRef idx="minor">
+            <a:schemeClr val="tx1"/>
+          </a:fontRef>
+        </p:style>
+      </p:cxnSp>
+      <p:cxnSp>
+        <p:nvCxnSpPr>
+          <p:cNvPr id="461" name="Straight Arrow Connector 460"/>
+          <p:cNvCxnSpPr/>
+          <p:nvPr/>
+        </p:nvCxnSpPr>
+        <p:spPr>
+          <a:xfrm flipV="1">
+            <a:off x="4983972" y="798647"/>
+            <a:ext cx="155810" cy="1"/>
+          </a:xfrm>
+          <a:prstGeom prst="straightConnector1">
+            <a:avLst/>
+          </a:prstGeom>
+          <a:ln w="19050">
+            <a:solidFill>
+              <a:schemeClr val="tx1"/>
+            </a:solidFill>
+            <a:tailEnd type="none" w="lg" len="med"/>
+          </a:ln>
+          <a:effectLst/>
+        </p:spPr>
+        <p:style>
+          <a:lnRef idx="2">
+            <a:schemeClr val="accent1"/>
+          </a:lnRef>
+          <a:fillRef idx="0">
+            <a:schemeClr val="accent1"/>
+          </a:fillRef>
+          <a:effectRef idx="1">
+            <a:schemeClr val="accent1"/>
+          </a:effectRef>
+          <a:fontRef idx="minor">
+            <a:schemeClr val="tx1"/>
+          </a:fontRef>
+        </p:style>
+      </p:cxnSp>
+      <p:cxnSp>
+        <p:nvCxnSpPr>
+          <p:cNvPr id="462" name="Straight Arrow Connector 461"/>
+          <p:cNvCxnSpPr/>
+          <p:nvPr/>
+        </p:nvCxnSpPr>
+        <p:spPr>
+          <a:xfrm flipV="1">
+            <a:off x="5051436" y="725052"/>
+            <a:ext cx="155810" cy="1"/>
+          </a:xfrm>
+          <a:prstGeom prst="straightConnector1">
+            <a:avLst/>
+          </a:prstGeom>
+          <a:ln w="19050">
+            <a:solidFill>
+              <a:schemeClr val="tx1"/>
+            </a:solidFill>
+            <a:tailEnd type="none" w="lg" len="med"/>
+          </a:ln>
+          <a:effectLst/>
+        </p:spPr>
+        <p:style>
+          <a:lnRef idx="2">
+            <a:schemeClr val="accent1"/>
+          </a:lnRef>
+          <a:fillRef idx="0">
+            <a:schemeClr val="accent1"/>
+          </a:fillRef>
+          <a:effectRef idx="1">
+            <a:schemeClr val="accent1"/>
+          </a:effectRef>
+          <a:fontRef idx="minor">
+            <a:schemeClr val="tx1"/>
+          </a:fontRef>
+        </p:style>
+      </p:cxnSp>
+      <p:cxnSp>
+        <p:nvCxnSpPr>
+          <p:cNvPr id="463" name="Straight Arrow Connector 462"/>
+          <p:cNvCxnSpPr/>
+          <p:nvPr/>
+        </p:nvCxnSpPr>
+        <p:spPr>
+          <a:xfrm flipV="1">
+            <a:off x="4907048" y="554857"/>
+            <a:ext cx="155810" cy="1"/>
+          </a:xfrm>
+          <a:prstGeom prst="straightConnector1">
+            <a:avLst/>
+          </a:prstGeom>
+          <a:ln w="19050">
+            <a:solidFill>
+              <a:schemeClr val="tx1"/>
+            </a:solidFill>
+            <a:tailEnd type="none" w="lg" len="med"/>
+          </a:ln>
+          <a:effectLst/>
+        </p:spPr>
+        <p:style>
+          <a:lnRef idx="2">
+            <a:schemeClr val="accent1"/>
+          </a:lnRef>
+          <a:fillRef idx="0">
+            <a:schemeClr val="accent1"/>
+          </a:fillRef>
+          <a:effectRef idx="1">
+            <a:schemeClr val="accent1"/>
+          </a:effectRef>
+          <a:fontRef idx="minor">
+            <a:schemeClr val="tx1"/>
+          </a:fontRef>
+        </p:style>
+      </p:cxnSp>
+      <p:cxnSp>
+        <p:nvCxnSpPr>
+          <p:cNvPr id="464" name="Straight Arrow Connector 463"/>
+          <p:cNvCxnSpPr/>
+          <p:nvPr/>
+        </p:nvCxnSpPr>
+        <p:spPr>
+          <a:xfrm flipV="1">
+            <a:off x="5042762" y="622338"/>
+            <a:ext cx="155810" cy="1"/>
+          </a:xfrm>
+          <a:prstGeom prst="straightConnector1">
+            <a:avLst/>
+          </a:prstGeom>
+          <a:ln w="19050">
+            <a:solidFill>
+              <a:schemeClr val="tx1"/>
+            </a:solidFill>
+            <a:tailEnd type="none" w="lg" len="med"/>
+          </a:ln>
+          <a:effectLst/>
+        </p:spPr>
+        <p:style>
+          <a:lnRef idx="2">
+            <a:schemeClr val="accent1"/>
+          </a:lnRef>
+          <a:fillRef idx="0">
+            <a:schemeClr val="accent1"/>
+          </a:fillRef>
+          <a:effectRef idx="1">
+            <a:schemeClr val="accent1"/>
+          </a:effectRef>
+          <a:fontRef idx="minor">
+            <a:schemeClr val="tx1"/>
+          </a:fontRef>
+        </p:style>
+      </p:cxnSp>
+      <p:cxnSp>
+        <p:nvCxnSpPr>
+          <p:cNvPr id="465" name="Straight Arrow Connector 464"/>
+          <p:cNvCxnSpPr/>
+          <p:nvPr/>
+        </p:nvCxnSpPr>
+        <p:spPr>
+          <a:xfrm flipV="1">
+            <a:off x="4210309" y="616631"/>
+            <a:ext cx="155810" cy="1"/>
+          </a:xfrm>
+          <a:prstGeom prst="straightConnector1">
+            <a:avLst/>
+          </a:prstGeom>
+          <a:ln w="19050">
+            <a:solidFill>
+              <a:schemeClr val="tx1"/>
+            </a:solidFill>
+            <a:tailEnd type="none" w="lg" len="med"/>
+          </a:ln>
+          <a:effectLst/>
+        </p:spPr>
+        <p:style>
+          <a:lnRef idx="2">
+            <a:schemeClr val="accent1"/>
+          </a:lnRef>
+          <a:fillRef idx="0">
+            <a:schemeClr val="accent1"/>
+          </a:fillRef>
+          <a:effectRef idx="1">
+            <a:schemeClr val="accent1"/>
+          </a:effectRef>
+          <a:fontRef idx="minor">
+            <a:schemeClr val="tx1"/>
+          </a:fontRef>
+        </p:style>
+      </p:cxnSp>
+      <p:cxnSp>
+        <p:nvCxnSpPr>
+          <p:cNvPr id="466" name="Straight Arrow Connector 465"/>
+          <p:cNvCxnSpPr/>
+          <p:nvPr/>
+        </p:nvCxnSpPr>
+        <p:spPr>
+          <a:xfrm flipV="1">
+            <a:off x="4781726" y="914784"/>
+            <a:ext cx="155810" cy="1"/>
+          </a:xfrm>
+          <a:prstGeom prst="straightConnector1">
+            <a:avLst/>
+          </a:prstGeom>
+          <a:ln w="19050">
+            <a:solidFill>
+              <a:schemeClr val="tx1"/>
+            </a:solidFill>
+            <a:tailEnd type="none" w="lg" len="med"/>
+          </a:ln>
+          <a:effectLst/>
+        </p:spPr>
+        <p:style>
+          <a:lnRef idx="2">
+            <a:schemeClr val="accent1"/>
+          </a:lnRef>
+          <a:fillRef idx="0">
+            <a:schemeClr val="accent1"/>
+          </a:fillRef>
+          <a:effectRef idx="1">
+            <a:schemeClr val="accent1"/>
+          </a:effectRef>
+          <a:fontRef idx="minor">
+            <a:schemeClr val="tx1"/>
+          </a:fontRef>
+        </p:style>
+      </p:cxnSp>
+      <p:cxnSp>
+        <p:nvCxnSpPr>
+          <p:cNvPr id="467" name="Straight Arrow Connector 466"/>
+          <p:cNvCxnSpPr/>
+          <p:nvPr/>
+        </p:nvCxnSpPr>
+        <p:spPr>
+          <a:xfrm flipV="1">
+            <a:off x="4975197" y="884611"/>
+            <a:ext cx="155810" cy="1"/>
+          </a:xfrm>
+          <a:prstGeom prst="straightConnector1">
+            <a:avLst/>
+          </a:prstGeom>
+          <a:ln w="19050">
+            <a:solidFill>
+              <a:schemeClr val="tx1"/>
+            </a:solidFill>
+            <a:tailEnd type="none" w="lg" len="med"/>
+          </a:ln>
+          <a:effectLst/>
+        </p:spPr>
+        <p:style>
+          <a:lnRef idx="2">
+            <a:schemeClr val="accent1"/>
+          </a:lnRef>
+          <a:fillRef idx="0">
+            <a:schemeClr val="accent1"/>
+          </a:fillRef>
+          <a:effectRef idx="1">
+            <a:schemeClr val="accent1"/>
+          </a:effectRef>
+          <a:fontRef idx="minor">
+            <a:schemeClr val="tx1"/>
+          </a:fontRef>
+        </p:style>
+      </p:cxnSp>
+      <p:cxnSp>
+        <p:nvCxnSpPr>
+          <p:cNvPr id="468" name="Straight Arrow Connector 467"/>
+          <p:cNvCxnSpPr/>
+          <p:nvPr/>
+        </p:nvCxnSpPr>
+        <p:spPr>
+          <a:xfrm flipV="1">
+            <a:off x="4303607" y="898214"/>
+            <a:ext cx="155810" cy="1"/>
+          </a:xfrm>
+          <a:prstGeom prst="straightConnector1">
+            <a:avLst/>
+          </a:prstGeom>
+          <a:ln w="19050">
+            <a:solidFill>
+              <a:schemeClr val="tx1"/>
+            </a:solidFill>
+            <a:tailEnd type="none" w="lg" len="med"/>
+          </a:ln>
+          <a:effectLst/>
+        </p:spPr>
+        <p:style>
+          <a:lnRef idx="2">
+            <a:schemeClr val="accent1"/>
+          </a:lnRef>
+          <a:fillRef idx="0">
+            <a:schemeClr val="accent1"/>
+          </a:fillRef>
+          <a:effectRef idx="1">
+            <a:schemeClr val="accent1"/>
+          </a:effectRef>
+          <a:fontRef idx="minor">
+            <a:schemeClr val="tx1"/>
+          </a:fontRef>
+        </p:style>
+      </p:cxnSp>
+      <p:pic>
+        <p:nvPicPr>
+          <p:cNvPr id="9" name="Picture 8" descr="Screen Shot 2017-03-13 at 3.22.10 PM.png"/>
+          <p:cNvPicPr>
+            <a:picLocks noChangeAspect="1"/>
+          </p:cNvPicPr>
+          <p:nvPr/>
+        </p:nvPicPr>
+        <p:blipFill rotWithShape="1">
+          <a:blip r:embed="rId2">
+            <a:extLst>
+              <a:ext uri="{28A0092B-C50C-407E-A947-70E740481C1C}">
+                <a14:useLocalDpi xmlns:a14="http://schemas.microsoft.com/office/drawing/2010/main" val="0"/>
+              </a:ext>
+            </a:extLst>
+          </a:blip>
+          <a:srcRect l="10304" t="3237" r="3461" b="12717"/>
+          <a:stretch/>
+        </p:blipFill>
+        <p:spPr>
+          <a:xfrm>
+            <a:off x="3568956" y="1910510"/>
+            <a:ext cx="1022613" cy="681610"/>
+          </a:xfrm>
+          <a:prstGeom prst="rect">
+            <a:avLst/>
+          </a:prstGeom>
+          <a:ln>
+            <a:solidFill>
+              <a:srgbClr val="000000"/>
+            </a:solidFill>
+          </a:ln>
+        </p:spPr>
+      </p:pic>
+      <p:pic>
+        <p:nvPicPr>
+          <p:cNvPr id="10" name="Picture 9" descr="Screen Shot 2017-03-13 at 7.49.03 PM.png"/>
+          <p:cNvPicPr>
+            <a:picLocks noChangeAspect="1"/>
+          </p:cNvPicPr>
+          <p:nvPr/>
+        </p:nvPicPr>
+        <p:blipFill rotWithShape="1">
+          <a:blip r:embed="rId3">
+            <a:extLst>
+              <a:ext uri="{28A0092B-C50C-407E-A947-70E740481C1C}">
+                <a14:useLocalDpi xmlns:a14="http://schemas.microsoft.com/office/drawing/2010/main" val="0"/>
+              </a:ext>
+            </a:extLst>
+          </a:blip>
+          <a:srcRect l="12948" t="11517" r="10136" b="13135"/>
+          <a:stretch/>
+        </p:blipFill>
+        <p:spPr>
+          <a:xfrm>
+            <a:off x="4809186" y="1910510"/>
+            <a:ext cx="1022613" cy="681610"/>
+          </a:xfrm>
+          <a:prstGeom prst="rect">
+            <a:avLst/>
+          </a:prstGeom>
+          <a:ln>
+            <a:solidFill>
+              <a:schemeClr val="tx1"/>
+            </a:solidFill>
+          </a:ln>
+        </p:spPr>
+      </p:pic>
+      <p:sp>
+        <p:nvSpPr>
+          <p:cNvPr id="470" name="TextBox 469"/>
+          <p:cNvSpPr txBox="1"/>
+          <p:nvPr/>
+        </p:nvSpPr>
+        <p:spPr>
+          <a:xfrm>
+            <a:off x="3304364" y="2592120"/>
+            <a:ext cx="1587025" cy="338550"/>
+          </a:xfrm>
+          <a:prstGeom prst="rect">
+            <a:avLst/>
+          </a:prstGeom>
+          <a:noFill/>
+        </p:spPr>
+        <p:txBody>
+          <a:bodyPr wrap="square" lIns="91436" tIns="45718" rIns="91436" bIns="45718" rtlCol="0">
+            <a:spAutoFit/>
+          </a:bodyPr>
+          <a:lstStyle/>
+          <a:p>
+            <a:pPr algn="ctr"/>
+            <a:r>
+              <a:rPr lang="en-US" sz="800" b="1" dirty="0" smtClean="0">
+                <a:latin typeface="Courier New"/>
+                <a:cs typeface="Courier New"/>
+              </a:rPr>
+              <a:t>Background</a:t>
+            </a:r>
+          </a:p>
+          <a:p>
+            <a:pPr algn="ctr"/>
+            <a:r>
+              <a:rPr lang="en-US" sz="800" b="1" dirty="0" smtClean="0">
+                <a:latin typeface="Courier New"/>
+                <a:cs typeface="Courier New"/>
+              </a:rPr>
+              <a:t>Correction</a:t>
+            </a:r>
+          </a:p>
+        </p:txBody>
+      </p:sp>
+      <p:sp>
+        <p:nvSpPr>
+          <p:cNvPr id="471" name="TextBox 470"/>
+          <p:cNvSpPr txBox="1"/>
+          <p:nvPr/>
+        </p:nvSpPr>
+        <p:spPr>
+          <a:xfrm>
+            <a:off x="4692343" y="2579893"/>
+            <a:ext cx="1283086" cy="338550"/>
+          </a:xfrm>
+          <a:prstGeom prst="rect">
+            <a:avLst/>
+          </a:prstGeom>
+          <a:noFill/>
+        </p:spPr>
+        <p:txBody>
+          <a:bodyPr wrap="square" lIns="91436" tIns="45718" rIns="91436" bIns="45718" rtlCol="0">
+            <a:spAutoFit/>
+          </a:bodyPr>
+          <a:lstStyle/>
+          <a:p>
+            <a:pPr algn="ctr"/>
+            <a:r>
+              <a:rPr lang="en-US" sz="800" b="1" dirty="0" smtClean="0">
+                <a:solidFill>
+                  <a:srgbClr val="000000"/>
+                </a:solidFill>
+                <a:latin typeface="Courier New"/>
+                <a:cs typeface="Courier New"/>
+              </a:rPr>
+              <a:t>Loop / Anchor </a:t>
+            </a:r>
+          </a:p>
+          <a:p>
+            <a:pPr algn="ctr"/>
+            <a:r>
+              <a:rPr lang="en-US" sz="800" b="1" dirty="0" smtClean="0">
+                <a:solidFill>
+                  <a:srgbClr val="000000"/>
+                </a:solidFill>
+                <a:latin typeface="Courier New"/>
+                <a:cs typeface="Courier New"/>
+              </a:rPr>
+              <a:t>Inference</a:t>
+            </a:r>
+            <a:endParaRPr lang="en-US" sz="800" b="1" dirty="0" smtClean="0">
+              <a:solidFill>
+                <a:srgbClr val="000000"/>
+              </a:solidFill>
+              <a:latin typeface="Courier New"/>
+              <a:cs typeface="Courier New"/>
+            </a:endParaRPr>
+          </a:p>
+        </p:txBody>
+      </p:sp>
+      <p:sp>
+        <p:nvSpPr>
+          <p:cNvPr id="472" name="Down Arrow 471"/>
+          <p:cNvSpPr/>
+          <p:nvPr/>
+        </p:nvSpPr>
+        <p:spPr>
+          <a:xfrm rot="16200000">
+            <a:off x="2906298" y="1665486"/>
+            <a:ext cx="489804" cy="430276"/>
+          </a:xfrm>
+          <a:prstGeom prst="downArrow">
+            <a:avLst/>
+          </a:prstGeom>
+          <a:solidFill>
+            <a:schemeClr val="bg1"/>
+          </a:solidFill>
           <a:ln w="28575">
             <a:solidFill>
               <a:schemeClr val="tx1"/>
@@ -4325,43 +7833,7 @@
           <a:lstStyle/>
           <a:p>
             <a:pPr algn="ctr"/>
-            <a:endParaRPr lang="en-US" dirty="0"/>
-          </a:p>
-        </p:txBody>
-      </p:sp>
-      <p:sp>
-        <p:nvSpPr>
-          <p:cNvPr id="12" name="TextBox 11"/>
-          <p:cNvSpPr txBox="1"/>
-          <p:nvPr/>
-        </p:nvSpPr>
-        <p:spPr>
-          <a:xfrm>
-            <a:off x="437344" y="766898"/>
-            <a:ext cx="1208140" cy="338554"/>
-          </a:xfrm>
-          <a:prstGeom prst="rect">
-            <a:avLst/>
-          </a:prstGeom>
-          <a:noFill/>
-        </p:spPr>
-        <p:txBody>
-          <a:bodyPr wrap="square" rtlCol="0">
-            <a:spAutoFit/>
-          </a:bodyPr>
-          <a:lstStyle/>
-          <a:p>
-            <a:r>
-              <a:rPr lang="en-US" sz="1600" b="1" dirty="0" smtClean="0">
-                <a:latin typeface="Courier New"/>
-                <a:cs typeface="Courier New"/>
-              </a:rPr>
-              <a:t>.fastq</a:t>
-            </a:r>
-            <a:endParaRPr lang="en-US" sz="1600" b="1" dirty="0">
-              <a:latin typeface="Courier New"/>
-              <a:cs typeface="Courier New"/>
-            </a:endParaRPr>
+            <a:endParaRPr lang="en-US"/>
           </a:p>
         </p:txBody>
       </p:sp>
